--- a/presentation/Project 1 (Data Viz, Tim A).pptx
+++ b/presentation/Project 1 (Data Viz, Tim A).pptx
@@ -1,22 +1,22 @@
 
 <file path=ppt/presentation.xml><?xml version="1.0" encoding="utf-8"?>
-<p:presentation xmlns:a="http://schemas.openxmlformats.org/drawingml/2006/main" xmlns:r="http://schemas.openxmlformats.org/officeDocument/2006/relationships" xmlns:mc="http://schemas.openxmlformats.org/markup-compatibility/2006" xmlns:mv="urn:schemas-microsoft-com:mac:vml" xmlns:p="http://schemas.openxmlformats.org/presentationml/2006/main" xmlns:c="http://schemas.openxmlformats.org/drawingml/2006/chart" xmlns:dgm="http://schemas.openxmlformats.org/drawingml/2006/diagram" xmlns:o="urn:schemas-microsoft-com:office:office" xmlns:v="urn:schemas-microsoft-com:vml" xmlns:pvml="urn:schemas-microsoft-com:office:powerpoint" xmlns:com="http://schemas.openxmlformats.org/drawingml/2006/compatibility" xmlns:p14="http://schemas.microsoft.com/office/powerpoint/2010/main" xmlns:p15="http://schemas.microsoft.com/office/powerpoint/2012/main" xmlns:ahyp="http://schemas.microsoft.com/office/drawing/2018/hyperlinkcolor" autoCompressPictures="0" strictFirstAndLastChars="0" saveSubsetFonts="1">
+<p:presentation xmlns:a="http://schemas.openxmlformats.org/drawingml/2006/main" xmlns:r="http://schemas.openxmlformats.org/officeDocument/2006/relationships" xmlns:p="http://schemas.openxmlformats.org/presentationml/2006/main" strictFirstAndLastChars="0" saveSubsetFonts="1" autoCompressPictures="0">
   <p:sldMasterIdLst>
-    <p:sldMasterId id="2147483659" r:id="rId4"/>
+    <p:sldMasterId id="2147483659" r:id="rId1"/>
   </p:sldMasterIdLst>
   <p:notesMasterIdLst>
-    <p:notesMasterId r:id="rId5"/>
+    <p:notesMasterId r:id="rId6"/>
   </p:notesMasterIdLst>
   <p:sldIdLst>
-    <p:sldId id="256" r:id="rId6"/>
-    <p:sldId id="257" r:id="rId7"/>
-    <p:sldId id="258" r:id="rId8"/>
-    <p:sldId id="259" r:id="rId9"/>
+    <p:sldId id="256" r:id="rId2"/>
+    <p:sldId id="257" r:id="rId3"/>
+    <p:sldId id="258" r:id="rId4"/>
+    <p:sldId id="259" r:id="rId5"/>
   </p:sldIdLst>
-  <p:sldSz cy="5143500" cx="9144000"/>
+  <p:sldSz cx="9144000" cy="5143500" type="screen16x9"/>
   <p:notesSz cx="6858000" cy="9144000"/>
   <p:defaultTextStyle>
-    <a:defPPr lvl="0" marR="0" rtl="0" algn="l">
+    <a:defPPr marR="0" lvl="0" algn="l" rtl="0">
       <a:lnSpc>
         <a:spcPct val="100000"/>
       </a:lnSpc>
@@ -27,7 +27,7 @@
         <a:spcPts val="0"/>
       </a:spcAft>
     </a:defPPr>
-    <a:lvl1pPr lvl="0" marR="0" rtl="0" algn="l">
+    <a:lvl1pPr marR="0" lvl="0" algn="l" rtl="0">
       <a:lnSpc>
         <a:spcPct val="100000"/>
       </a:lnSpc>
@@ -41,7 +41,7 @@
         <a:srgbClr val="000000"/>
       </a:buClr>
       <a:buFont typeface="Arial"/>
-      <a:defRPr b="0" i="0" sz="1400" u="none" cap="none" strike="noStrike">
+      <a:defRPr sz="1400" b="0" i="0" u="none" strike="noStrike" cap="none">
         <a:solidFill>
           <a:srgbClr val="000000"/>
         </a:solidFill>
@@ -51,7 +51,7 @@
         <a:sym typeface="Arial"/>
       </a:defRPr>
     </a:lvl1pPr>
-    <a:lvl2pPr lvl="1" marR="0" rtl="0" algn="l">
+    <a:lvl2pPr marR="0" lvl="1" algn="l" rtl="0">
       <a:lnSpc>
         <a:spcPct val="100000"/>
       </a:lnSpc>
@@ -65,7 +65,7 @@
         <a:srgbClr val="000000"/>
       </a:buClr>
       <a:buFont typeface="Arial"/>
-      <a:defRPr b="0" i="0" sz="1400" u="none" cap="none" strike="noStrike">
+      <a:defRPr sz="1400" b="0" i="0" u="none" strike="noStrike" cap="none">
         <a:solidFill>
           <a:srgbClr val="000000"/>
         </a:solidFill>
@@ -75,7 +75,7 @@
         <a:sym typeface="Arial"/>
       </a:defRPr>
     </a:lvl2pPr>
-    <a:lvl3pPr lvl="2" marR="0" rtl="0" algn="l">
+    <a:lvl3pPr marR="0" lvl="2" algn="l" rtl="0">
       <a:lnSpc>
         <a:spcPct val="100000"/>
       </a:lnSpc>
@@ -89,7 +89,7 @@
         <a:srgbClr val="000000"/>
       </a:buClr>
       <a:buFont typeface="Arial"/>
-      <a:defRPr b="0" i="0" sz="1400" u="none" cap="none" strike="noStrike">
+      <a:defRPr sz="1400" b="0" i="0" u="none" strike="noStrike" cap="none">
         <a:solidFill>
           <a:srgbClr val="000000"/>
         </a:solidFill>
@@ -99,7 +99,7 @@
         <a:sym typeface="Arial"/>
       </a:defRPr>
     </a:lvl3pPr>
-    <a:lvl4pPr lvl="3" marR="0" rtl="0" algn="l">
+    <a:lvl4pPr marR="0" lvl="3" algn="l" rtl="0">
       <a:lnSpc>
         <a:spcPct val="100000"/>
       </a:lnSpc>
@@ -113,7 +113,7 @@
         <a:srgbClr val="000000"/>
       </a:buClr>
       <a:buFont typeface="Arial"/>
-      <a:defRPr b="0" i="0" sz="1400" u="none" cap="none" strike="noStrike">
+      <a:defRPr sz="1400" b="0" i="0" u="none" strike="noStrike" cap="none">
         <a:solidFill>
           <a:srgbClr val="000000"/>
         </a:solidFill>
@@ -123,7 +123,7 @@
         <a:sym typeface="Arial"/>
       </a:defRPr>
     </a:lvl4pPr>
-    <a:lvl5pPr lvl="4" marR="0" rtl="0" algn="l">
+    <a:lvl5pPr marR="0" lvl="4" algn="l" rtl="0">
       <a:lnSpc>
         <a:spcPct val="100000"/>
       </a:lnSpc>
@@ -137,7 +137,7 @@
         <a:srgbClr val="000000"/>
       </a:buClr>
       <a:buFont typeface="Arial"/>
-      <a:defRPr b="0" i="0" sz="1400" u="none" cap="none" strike="noStrike">
+      <a:defRPr sz="1400" b="0" i="0" u="none" strike="noStrike" cap="none">
         <a:solidFill>
           <a:srgbClr val="000000"/>
         </a:solidFill>
@@ -147,7 +147,7 @@
         <a:sym typeface="Arial"/>
       </a:defRPr>
     </a:lvl5pPr>
-    <a:lvl6pPr lvl="5" marR="0" rtl="0" algn="l">
+    <a:lvl6pPr marR="0" lvl="5" algn="l" rtl="0">
       <a:lnSpc>
         <a:spcPct val="100000"/>
       </a:lnSpc>
@@ -161,7 +161,7 @@
         <a:srgbClr val="000000"/>
       </a:buClr>
       <a:buFont typeface="Arial"/>
-      <a:defRPr b="0" i="0" sz="1400" u="none" cap="none" strike="noStrike">
+      <a:defRPr sz="1400" b="0" i="0" u="none" strike="noStrike" cap="none">
         <a:solidFill>
           <a:srgbClr val="000000"/>
         </a:solidFill>
@@ -171,7 +171,7 @@
         <a:sym typeface="Arial"/>
       </a:defRPr>
     </a:lvl6pPr>
-    <a:lvl7pPr lvl="6" marR="0" rtl="0" algn="l">
+    <a:lvl7pPr marR="0" lvl="6" algn="l" rtl="0">
       <a:lnSpc>
         <a:spcPct val="100000"/>
       </a:lnSpc>
@@ -185,7 +185,7 @@
         <a:srgbClr val="000000"/>
       </a:buClr>
       <a:buFont typeface="Arial"/>
-      <a:defRPr b="0" i="0" sz="1400" u="none" cap="none" strike="noStrike">
+      <a:defRPr sz="1400" b="0" i="0" u="none" strike="noStrike" cap="none">
         <a:solidFill>
           <a:srgbClr val="000000"/>
         </a:solidFill>
@@ -195,7 +195,7 @@
         <a:sym typeface="Arial"/>
       </a:defRPr>
     </a:lvl7pPr>
-    <a:lvl8pPr lvl="7" marR="0" rtl="0" algn="l">
+    <a:lvl8pPr marR="0" lvl="7" algn="l" rtl="0">
       <a:lnSpc>
         <a:spcPct val="100000"/>
       </a:lnSpc>
@@ -209,7 +209,7 @@
         <a:srgbClr val="000000"/>
       </a:buClr>
       <a:buFont typeface="Arial"/>
-      <a:defRPr b="0" i="0" sz="1400" u="none" cap="none" strike="noStrike">
+      <a:defRPr sz="1400" b="0" i="0" u="none" strike="noStrike" cap="none">
         <a:solidFill>
           <a:srgbClr val="000000"/>
         </a:solidFill>
@@ -219,7 +219,7 @@
         <a:sym typeface="Arial"/>
       </a:defRPr>
     </a:lvl8pPr>
-    <a:lvl9pPr lvl="8" marR="0" rtl="0" algn="l">
+    <a:lvl9pPr marR="0" lvl="8" algn="l" rtl="0">
       <a:lnSpc>
         <a:spcPct val="100000"/>
       </a:lnSpc>
@@ -233,7 +233,7 @@
         <a:srgbClr val="000000"/>
       </a:buClr>
       <a:buFont typeface="Arial"/>
-      <a:defRPr b="0" i="0" sz="1400" u="none" cap="none" strike="noStrike">
+      <a:defRPr sz="1400" b="0" i="0" u="none" strike="noStrike" cap="none">
         <a:solidFill>
           <a:srgbClr val="000000"/>
         </a:solidFill>
@@ -246,7 +246,7 @@
   </p:defaultTextStyle>
   <p:extLst>
     <p:ext uri="{EFAFB233-063F-42B5-8137-9DF3F51BA10A}">
-      <p15:sldGuideLst>
+      <p15:sldGuideLst xmlns:p15="http://schemas.microsoft.com/office/powerpoint/2012/main">
         <p15:guide id="1" orient="horz" pos="1620">
           <p15:clr>
             <a:srgbClr val="747775"/>
@@ -263,12 +263,25 @@
 </p:presentation>
 </file>
 
+<file path=ppt/revisionInfo.xml><?xml version="1.0" encoding="utf-8"?>
+<p1510:revInfo xmlns:a="http://schemas.openxmlformats.org/drawingml/2006/main" xmlns:r="http://schemas.openxmlformats.org/officeDocument/2006/relationships" xmlns:p1510="http://schemas.microsoft.com/office/powerpoint/2015/10/main">
+  <p1510:revLst>
+    <p1510:client id="{332D6FDF-D89A-DB80-5F86-9E86D0AB228A}" v="22" dt="2024-04-08T13:08:07.767"/>
+  </p1510:revLst>
+</p1510:revInfo>
+</file>
+
 <file path=ppt/notesMasters/notesMaster1.xml><?xml version="1.0" encoding="utf-8"?>
-<p:notesMaster xmlns:a="http://schemas.openxmlformats.org/drawingml/2006/main" xmlns:r="http://schemas.openxmlformats.org/officeDocument/2006/relationships" xmlns:mc="http://schemas.openxmlformats.org/markup-compatibility/2006" xmlns:mv="urn:schemas-microsoft-com:mac:vml" xmlns:p="http://schemas.openxmlformats.org/presentationml/2006/main" xmlns:c="http://schemas.openxmlformats.org/drawingml/2006/chart" xmlns:dgm="http://schemas.openxmlformats.org/drawingml/2006/diagram" xmlns:o="urn:schemas-microsoft-com:office:office" xmlns:v="urn:schemas-microsoft-com:vml" xmlns:pvml="urn:schemas-microsoft-com:office:powerpoint" xmlns:com="http://schemas.openxmlformats.org/drawingml/2006/compatibility" xmlns:p14="http://schemas.microsoft.com/office/powerpoint/2010/main" xmlns:p15="http://schemas.microsoft.com/office/powerpoint/2012/main" xmlns:ahyp="http://schemas.microsoft.com/office/drawing/2018/hyperlinkcolor">
+<p:notesMaster xmlns:a="http://schemas.openxmlformats.org/drawingml/2006/main" xmlns:r="http://schemas.openxmlformats.org/officeDocument/2006/relationships" xmlns:p="http://schemas.openxmlformats.org/presentationml/2006/main">
   <p:cSld>
+    <p:bg>
+      <p:bgRef idx="1001">
+        <a:schemeClr val="bg1"/>
+      </p:bgRef>
+    </p:bg>
     <p:spTree>
       <p:nvGrpSpPr>
-        <p:cNvPr id="2" name="Shape 2"/>
+        <p:cNvPr id="1" name="Shape 2"/>
         <p:cNvGrpSpPr/>
         <p:nvPr/>
       </p:nvGrpSpPr>
@@ -283,9 +296,11 @@
       <p:sp>
         <p:nvSpPr>
           <p:cNvPr id="3" name="Google Shape;3;n"/>
-          <p:cNvSpPr/>
+          <p:cNvSpPr>
+            <a:spLocks noGrp="1" noRot="1" noChangeAspect="1"/>
+          </p:cNvSpPr>
           <p:nvPr>
-            <p:ph idx="2" type="sldImg"/>
+            <p:ph type="sldImg" idx="2"/>
           </p:nvPr>
         </p:nvSpPr>
         <p:spPr>
@@ -294,9 +309,13 @@
             <a:ext cx="6096075" cy="3429000"/>
           </a:xfrm>
           <a:custGeom>
-            <a:rect b="b" l="l" r="r" t="t"/>
+            <a:avLst/>
+            <a:gdLst/>
+            <a:ahLst/>
+            <a:cxnLst/>
+            <a:rect l="l" t="t" r="r" b="b"/>
             <a:pathLst>
-              <a:path extrusionOk="0" h="120000" w="120000">
+              <a:path w="120000" h="120000" extrusionOk="0">
                 <a:moveTo>
                   <a:pt x="0" y="0"/>
                 </a:moveTo>
@@ -314,23 +333,25 @@
             </a:pathLst>
           </a:custGeom>
           <a:noFill/>
-          <a:ln cap="flat" cmpd="sng" w="9525">
+          <a:ln w="9525" cap="flat" cmpd="sng">
             <a:solidFill>
               <a:srgbClr val="000000"/>
             </a:solidFill>
             <a:prstDash val="solid"/>
             <a:round/>
-            <a:headEnd len="sm" w="sm" type="none"/>
-            <a:tailEnd len="sm" w="sm" type="none"/>
+            <a:headEnd type="none" w="sm" len="sm"/>
+            <a:tailEnd type="none" w="sm" len="sm"/>
           </a:ln>
         </p:spPr>
       </p:sp>
       <p:sp>
         <p:nvSpPr>
           <p:cNvPr id="4" name="Google Shape;4;n"/>
-          <p:cNvSpPr txBox="1"/>
+          <p:cNvSpPr txBox="1">
+            <a:spLocks noGrp="1"/>
+          </p:cNvSpPr>
           <p:nvPr>
-            <p:ph idx="1" type="body"/>
+            <p:ph type="body" idx="1"/>
           </p:nvPr>
         </p:nvSpPr>
         <p:spPr>
@@ -347,11 +368,11 @@
           </a:ln>
         </p:spPr>
         <p:txBody>
-          <a:bodyPr anchorCtr="0" anchor="t" bIns="91425" lIns="91425" spcFirstLastPara="1" rIns="91425" wrap="square" tIns="91425">
+          <a:bodyPr spcFirstLastPara="1" wrap="square" lIns="91425" tIns="91425" rIns="91425" bIns="91425" anchor="t" anchorCtr="0">
             <a:noAutofit/>
           </a:bodyPr>
           <a:lstStyle>
-            <a:lvl1pPr indent="-298450" lvl="0" marL="457200">
+            <a:lvl1pPr marL="457200" lvl="0" indent="-298450">
               <a:spcBef>
                 <a:spcPts val="0"/>
               </a:spcBef>
@@ -362,7 +383,7 @@
               <a:buChar char="●"/>
               <a:defRPr sz="1100"/>
             </a:lvl1pPr>
-            <a:lvl2pPr indent="-298450" lvl="1" marL="914400">
+            <a:lvl2pPr marL="914400" lvl="1" indent="-298450">
               <a:spcBef>
                 <a:spcPts val="0"/>
               </a:spcBef>
@@ -373,7 +394,7 @@
               <a:buChar char="○"/>
               <a:defRPr sz="1100"/>
             </a:lvl2pPr>
-            <a:lvl3pPr indent="-298450" lvl="2" marL="1371600">
+            <a:lvl3pPr marL="1371600" lvl="2" indent="-298450">
               <a:spcBef>
                 <a:spcPts val="0"/>
               </a:spcBef>
@@ -384,7 +405,7 @@
               <a:buChar char="■"/>
               <a:defRPr sz="1100"/>
             </a:lvl3pPr>
-            <a:lvl4pPr indent="-298450" lvl="3" marL="1828800">
+            <a:lvl4pPr marL="1828800" lvl="3" indent="-298450">
               <a:spcBef>
                 <a:spcPts val="0"/>
               </a:spcBef>
@@ -395,7 +416,7 @@
               <a:buChar char="●"/>
               <a:defRPr sz="1100"/>
             </a:lvl4pPr>
-            <a:lvl5pPr indent="-298450" lvl="4" marL="2286000">
+            <a:lvl5pPr marL="2286000" lvl="4" indent="-298450">
               <a:spcBef>
                 <a:spcPts val="0"/>
               </a:spcBef>
@@ -406,7 +427,7 @@
               <a:buChar char="○"/>
               <a:defRPr sz="1100"/>
             </a:lvl5pPr>
-            <a:lvl6pPr indent="-298450" lvl="5" marL="2743200">
+            <a:lvl6pPr marL="2743200" lvl="5" indent="-298450">
               <a:spcBef>
                 <a:spcPts val="0"/>
               </a:spcBef>
@@ -417,7 +438,7 @@
               <a:buChar char="■"/>
               <a:defRPr sz="1100"/>
             </a:lvl6pPr>
-            <a:lvl7pPr indent="-298450" lvl="6" marL="3200400">
+            <a:lvl7pPr marL="3200400" lvl="6" indent="-298450">
               <a:spcBef>
                 <a:spcPts val="0"/>
               </a:spcBef>
@@ -428,7 +449,7 @@
               <a:buChar char="●"/>
               <a:defRPr sz="1100"/>
             </a:lvl7pPr>
-            <a:lvl8pPr indent="-298450" lvl="7" marL="3657600">
+            <a:lvl8pPr marL="3657600" lvl="7" indent="-298450">
               <a:spcBef>
                 <a:spcPts val="0"/>
               </a:spcBef>
@@ -439,7 +460,7 @@
               <a:buChar char="○"/>
               <a:defRPr sz="1100"/>
             </a:lvl8pPr>
-            <a:lvl9pPr indent="-298450" lvl="8" marL="4114800">
+            <a:lvl9pPr marL="4114800" lvl="8" indent="-298450">
               <a:spcBef>
                 <a:spcPts val="0"/>
               </a:spcBef>
@@ -451,14 +472,16 @@
               <a:defRPr sz="1100"/>
             </a:lvl9pPr>
           </a:lstStyle>
-          <a:p/>
+          <a:p>
+            <a:endParaRPr/>
+          </a:p>
         </p:txBody>
       </p:sp>
     </p:spTree>
   </p:cSld>
-  <p:clrMap accent1="accent1" accent2="accent2" accent3="accent3" accent4="accent4" accent5="accent5" accent6="accent6" bg1="lt1" bg2="dk2" tx1="dk1" tx2="lt2" folHlink="folHlink" hlink="hlink"/>
+  <p:clrMap bg1="lt1" tx1="dk1" bg2="dk2" tx2="lt2" accent1="accent1" accent2="accent2" accent3="accent3" accent4="accent4" accent5="accent5" accent6="accent6" hlink="hlink" folHlink="folHlink"/>
   <p:notesStyle>
-    <a:defPPr lvl="0" marR="0" rtl="0" algn="l">
+    <a:defPPr marR="0" lvl="0" algn="l" rtl="0">
       <a:lnSpc>
         <a:spcPct val="100000"/>
       </a:lnSpc>
@@ -469,7 +492,7 @@
         <a:spcPts val="0"/>
       </a:spcAft>
     </a:defPPr>
-    <a:lvl1pPr lvl="0" marR="0" rtl="0" algn="l">
+    <a:lvl1pPr marR="0" lvl="0" algn="l" rtl="0">
       <a:lnSpc>
         <a:spcPct val="100000"/>
       </a:lnSpc>
@@ -483,7 +506,7 @@
         <a:srgbClr val="000000"/>
       </a:buClr>
       <a:buFont typeface="Arial"/>
-      <a:defRPr b="0" i="0" sz="1400" u="none" cap="none" strike="noStrike">
+      <a:defRPr sz="1400" b="0" i="0" u="none" strike="noStrike" cap="none">
         <a:solidFill>
           <a:srgbClr val="000000"/>
         </a:solidFill>
@@ -493,7 +516,7 @@
         <a:sym typeface="Arial"/>
       </a:defRPr>
     </a:lvl1pPr>
-    <a:lvl2pPr lvl="1" marR="0" rtl="0" algn="l">
+    <a:lvl2pPr marR="0" lvl="1" algn="l" rtl="0">
       <a:lnSpc>
         <a:spcPct val="100000"/>
       </a:lnSpc>
@@ -507,7 +530,7 @@
         <a:srgbClr val="000000"/>
       </a:buClr>
       <a:buFont typeface="Arial"/>
-      <a:defRPr b="0" i="0" sz="1400" u="none" cap="none" strike="noStrike">
+      <a:defRPr sz="1400" b="0" i="0" u="none" strike="noStrike" cap="none">
         <a:solidFill>
           <a:srgbClr val="000000"/>
         </a:solidFill>
@@ -517,7 +540,7 @@
         <a:sym typeface="Arial"/>
       </a:defRPr>
     </a:lvl2pPr>
-    <a:lvl3pPr lvl="2" marR="0" rtl="0" algn="l">
+    <a:lvl3pPr marR="0" lvl="2" algn="l" rtl="0">
       <a:lnSpc>
         <a:spcPct val="100000"/>
       </a:lnSpc>
@@ -531,7 +554,7 @@
         <a:srgbClr val="000000"/>
       </a:buClr>
       <a:buFont typeface="Arial"/>
-      <a:defRPr b="0" i="0" sz="1400" u="none" cap="none" strike="noStrike">
+      <a:defRPr sz="1400" b="0" i="0" u="none" strike="noStrike" cap="none">
         <a:solidFill>
           <a:srgbClr val="000000"/>
         </a:solidFill>
@@ -541,7 +564,7 @@
         <a:sym typeface="Arial"/>
       </a:defRPr>
     </a:lvl3pPr>
-    <a:lvl4pPr lvl="3" marR="0" rtl="0" algn="l">
+    <a:lvl4pPr marR="0" lvl="3" algn="l" rtl="0">
       <a:lnSpc>
         <a:spcPct val="100000"/>
       </a:lnSpc>
@@ -555,7 +578,7 @@
         <a:srgbClr val="000000"/>
       </a:buClr>
       <a:buFont typeface="Arial"/>
-      <a:defRPr b="0" i="0" sz="1400" u="none" cap="none" strike="noStrike">
+      <a:defRPr sz="1400" b="0" i="0" u="none" strike="noStrike" cap="none">
         <a:solidFill>
           <a:srgbClr val="000000"/>
         </a:solidFill>
@@ -565,7 +588,7 @@
         <a:sym typeface="Arial"/>
       </a:defRPr>
     </a:lvl4pPr>
-    <a:lvl5pPr lvl="4" marR="0" rtl="0" algn="l">
+    <a:lvl5pPr marR="0" lvl="4" algn="l" rtl="0">
       <a:lnSpc>
         <a:spcPct val="100000"/>
       </a:lnSpc>
@@ -579,7 +602,7 @@
         <a:srgbClr val="000000"/>
       </a:buClr>
       <a:buFont typeface="Arial"/>
-      <a:defRPr b="0" i="0" sz="1400" u="none" cap="none" strike="noStrike">
+      <a:defRPr sz="1400" b="0" i="0" u="none" strike="noStrike" cap="none">
         <a:solidFill>
           <a:srgbClr val="000000"/>
         </a:solidFill>
@@ -589,7 +612,7 @@
         <a:sym typeface="Arial"/>
       </a:defRPr>
     </a:lvl5pPr>
-    <a:lvl6pPr lvl="5" marR="0" rtl="0" algn="l">
+    <a:lvl6pPr marR="0" lvl="5" algn="l" rtl="0">
       <a:lnSpc>
         <a:spcPct val="100000"/>
       </a:lnSpc>
@@ -603,7 +626,7 @@
         <a:srgbClr val="000000"/>
       </a:buClr>
       <a:buFont typeface="Arial"/>
-      <a:defRPr b="0" i="0" sz="1400" u="none" cap="none" strike="noStrike">
+      <a:defRPr sz="1400" b="0" i="0" u="none" strike="noStrike" cap="none">
         <a:solidFill>
           <a:srgbClr val="000000"/>
         </a:solidFill>
@@ -613,7 +636,7 @@
         <a:sym typeface="Arial"/>
       </a:defRPr>
     </a:lvl6pPr>
-    <a:lvl7pPr lvl="6" marR="0" rtl="0" algn="l">
+    <a:lvl7pPr marR="0" lvl="6" algn="l" rtl="0">
       <a:lnSpc>
         <a:spcPct val="100000"/>
       </a:lnSpc>
@@ -627,7 +650,7 @@
         <a:srgbClr val="000000"/>
       </a:buClr>
       <a:buFont typeface="Arial"/>
-      <a:defRPr b="0" i="0" sz="1400" u="none" cap="none" strike="noStrike">
+      <a:defRPr sz="1400" b="0" i="0" u="none" strike="noStrike" cap="none">
         <a:solidFill>
           <a:srgbClr val="000000"/>
         </a:solidFill>
@@ -637,7 +660,7 @@
         <a:sym typeface="Arial"/>
       </a:defRPr>
     </a:lvl7pPr>
-    <a:lvl8pPr lvl="7" marR="0" rtl="0" algn="l">
+    <a:lvl8pPr marR="0" lvl="7" algn="l" rtl="0">
       <a:lnSpc>
         <a:spcPct val="100000"/>
       </a:lnSpc>
@@ -651,7 +674,7 @@
         <a:srgbClr val="000000"/>
       </a:buClr>
       <a:buFont typeface="Arial"/>
-      <a:defRPr b="0" i="0" sz="1400" u="none" cap="none" strike="noStrike">
+      <a:defRPr sz="1400" b="0" i="0" u="none" strike="noStrike" cap="none">
         <a:solidFill>
           <a:srgbClr val="000000"/>
         </a:solidFill>
@@ -661,7 +684,7 @@
         <a:sym typeface="Arial"/>
       </a:defRPr>
     </a:lvl8pPr>
-    <a:lvl9pPr lvl="8" marR="0" rtl="0" algn="l">
+    <a:lvl9pPr marR="0" lvl="8" algn="l" rtl="0">
       <a:lnSpc>
         <a:spcPct val="100000"/>
       </a:lnSpc>
@@ -675,7 +698,7 @@
         <a:srgbClr val="000000"/>
       </a:buClr>
       <a:buFont typeface="Arial"/>
-      <a:defRPr b="0" i="0" sz="1400" u="none" cap="none" strike="noStrike">
+      <a:defRPr sz="1400" b="0" i="0" u="none" strike="noStrike" cap="none">
         <a:solidFill>
           <a:srgbClr val="000000"/>
         </a:solidFill>
@@ -690,11 +713,11 @@
 </file>
 
 <file path=ppt/notesSlides/notesSlide1.xml><?xml version="1.0" encoding="utf-8"?>
-<p:notes xmlns:a="http://schemas.openxmlformats.org/drawingml/2006/main" xmlns:r="http://schemas.openxmlformats.org/officeDocument/2006/relationships" xmlns:mc="http://schemas.openxmlformats.org/markup-compatibility/2006" xmlns:mv="urn:schemas-microsoft-com:mac:vml" xmlns:p="http://schemas.openxmlformats.org/presentationml/2006/main" xmlns:c="http://schemas.openxmlformats.org/drawingml/2006/chart" xmlns:dgm="http://schemas.openxmlformats.org/drawingml/2006/diagram" xmlns:o="urn:schemas-microsoft-com:office:office" xmlns:v="urn:schemas-microsoft-com:vml" xmlns:pvml="urn:schemas-microsoft-com:office:powerpoint" xmlns:com="http://schemas.openxmlformats.org/drawingml/2006/compatibility" xmlns:p14="http://schemas.microsoft.com/office/powerpoint/2010/main" xmlns:p15="http://schemas.microsoft.com/office/powerpoint/2012/main" xmlns:ahyp="http://schemas.microsoft.com/office/drawing/2018/hyperlinkcolor" showMasterPhAnim="0" showMasterSp="0">
+<p:notes xmlns:a="http://schemas.openxmlformats.org/drawingml/2006/main" xmlns:r="http://schemas.openxmlformats.org/officeDocument/2006/relationships" xmlns:p="http://schemas.openxmlformats.org/presentationml/2006/main" showMasterSp="0" showMasterPhAnim="0">
   <p:cSld>
     <p:spTree>
       <p:nvGrpSpPr>
-        <p:cNvPr id="50" name="Shape 50"/>
+        <p:cNvPr id="1" name="Shape 50"/>
         <p:cNvGrpSpPr/>
         <p:nvPr/>
       </p:nvGrpSpPr>
@@ -709,20 +732,26 @@
       <p:sp>
         <p:nvSpPr>
           <p:cNvPr id="51" name="Google Shape;51;p:notes"/>
-          <p:cNvSpPr/>
+          <p:cNvSpPr>
+            <a:spLocks noGrp="1" noRot="1" noChangeAspect="1"/>
+          </p:cNvSpPr>
           <p:nvPr>
-            <p:ph idx="2" type="sldImg"/>
+            <p:ph type="sldImg" idx="2"/>
           </p:nvPr>
         </p:nvSpPr>
         <p:spPr>
           <a:xfrm>
-            <a:off x="381300" y="685800"/>
-            <a:ext cx="6096075" cy="3429000"/>
+            <a:off x="381000" y="685800"/>
+            <a:ext cx="6096000" cy="3429000"/>
           </a:xfrm>
           <a:custGeom>
-            <a:rect b="b" l="l" r="r" t="t"/>
+            <a:avLst/>
+            <a:gdLst/>
+            <a:ahLst/>
+            <a:cxnLst/>
+            <a:rect l="l" t="t" r="r" b="b"/>
             <a:pathLst>
-              <a:path extrusionOk="0" h="120000" w="120000">
+              <a:path w="120000" h="120000" extrusionOk="0">
                 <a:moveTo>
                   <a:pt x="0" y="0"/>
                 </a:moveTo>
@@ -744,9 +773,11 @@
       <p:sp>
         <p:nvSpPr>
           <p:cNvPr id="52" name="Google Shape;52;p:notes"/>
-          <p:cNvSpPr txBox="1"/>
+          <p:cNvSpPr txBox="1">
+            <a:spLocks noGrp="1"/>
+          </p:cNvSpPr>
           <p:nvPr>
-            <p:ph idx="1" type="body"/>
+            <p:ph type="body" idx="1"/>
           </p:nvPr>
         </p:nvSpPr>
         <p:spPr>
@@ -759,12 +790,12 @@
           </a:prstGeom>
         </p:spPr>
         <p:txBody>
-          <a:bodyPr anchorCtr="0" anchor="t" bIns="91425" lIns="91425" spcFirstLastPara="1" rIns="91425" wrap="square" tIns="91425">
+          <a:bodyPr spcFirstLastPara="1" wrap="square" lIns="91425" tIns="91425" rIns="91425" bIns="91425" anchor="t" anchorCtr="0">
             <a:noAutofit/>
           </a:bodyPr>
           <a:lstStyle/>
           <a:p>
-            <a:pPr indent="0" lvl="0" marL="0" rtl="0" algn="l">
+            <a:pPr marL="0" lvl="0" indent="0" algn="l" rtl="0">
               <a:spcBef>
                 <a:spcPts val="0"/>
               </a:spcBef>
@@ -773,9 +804,6 @@
               </a:spcAft>
               <a:buNone/>
             </a:pPr>
-            <a:r>
-              <a:t/>
-            </a:r>
             <a:endParaRPr/>
           </a:p>
         </p:txBody>
@@ -789,11 +817,11 @@
 </file>
 
 <file path=ppt/notesSlides/notesSlide2.xml><?xml version="1.0" encoding="utf-8"?>
-<p:notes xmlns:a="http://schemas.openxmlformats.org/drawingml/2006/main" xmlns:r="http://schemas.openxmlformats.org/officeDocument/2006/relationships" xmlns:mc="http://schemas.openxmlformats.org/markup-compatibility/2006" xmlns:mv="urn:schemas-microsoft-com:mac:vml" xmlns:p="http://schemas.openxmlformats.org/presentationml/2006/main" xmlns:c="http://schemas.openxmlformats.org/drawingml/2006/chart" xmlns:dgm="http://schemas.openxmlformats.org/drawingml/2006/diagram" xmlns:o="urn:schemas-microsoft-com:office:office" xmlns:v="urn:schemas-microsoft-com:vml" xmlns:pvml="urn:schemas-microsoft-com:office:powerpoint" xmlns:com="http://schemas.openxmlformats.org/drawingml/2006/compatibility" xmlns:p14="http://schemas.microsoft.com/office/powerpoint/2010/main" xmlns:p15="http://schemas.microsoft.com/office/powerpoint/2012/main" xmlns:ahyp="http://schemas.microsoft.com/office/drawing/2018/hyperlinkcolor" showMasterPhAnim="0" showMasterSp="0">
+<p:notes xmlns:a="http://schemas.openxmlformats.org/drawingml/2006/main" xmlns:r="http://schemas.openxmlformats.org/officeDocument/2006/relationships" xmlns:p="http://schemas.openxmlformats.org/presentationml/2006/main" showMasterSp="0" showMasterPhAnim="0">
   <p:cSld>
     <p:spTree>
       <p:nvGrpSpPr>
-        <p:cNvPr id="56" name="Shape 56"/>
+        <p:cNvPr id="1" name="Shape 56"/>
         <p:cNvGrpSpPr/>
         <p:nvPr/>
       </p:nvGrpSpPr>
@@ -808,20 +836,26 @@
       <p:sp>
         <p:nvSpPr>
           <p:cNvPr id="57" name="Google Shape;57;g2ca11c135f9_0_8:notes"/>
-          <p:cNvSpPr/>
+          <p:cNvSpPr>
+            <a:spLocks noGrp="1" noRot="1" noChangeAspect="1"/>
+          </p:cNvSpPr>
           <p:nvPr>
-            <p:ph idx="2" type="sldImg"/>
+            <p:ph type="sldImg" idx="2"/>
           </p:nvPr>
         </p:nvSpPr>
         <p:spPr>
           <a:xfrm>
-            <a:off x="381300" y="685800"/>
+            <a:off x="381000" y="685800"/>
             <a:ext cx="6096000" cy="3429000"/>
           </a:xfrm>
           <a:custGeom>
-            <a:rect b="b" l="l" r="r" t="t"/>
+            <a:avLst/>
+            <a:gdLst/>
+            <a:ahLst/>
+            <a:cxnLst/>
+            <a:rect l="l" t="t" r="r" b="b"/>
             <a:pathLst>
-              <a:path extrusionOk="0" h="120000" w="120000">
+              <a:path w="120000" h="120000" extrusionOk="0">
                 <a:moveTo>
                   <a:pt x="0" y="0"/>
                 </a:moveTo>
@@ -843,9 +877,11 @@
       <p:sp>
         <p:nvSpPr>
           <p:cNvPr id="58" name="Google Shape;58;g2ca11c135f9_0_8:notes"/>
-          <p:cNvSpPr txBox="1"/>
+          <p:cNvSpPr txBox="1">
+            <a:spLocks noGrp="1"/>
+          </p:cNvSpPr>
           <p:nvPr>
-            <p:ph idx="1" type="body"/>
+            <p:ph type="body" idx="1"/>
           </p:nvPr>
         </p:nvSpPr>
         <p:spPr>
@@ -858,12 +894,12 @@
           </a:prstGeom>
         </p:spPr>
         <p:txBody>
-          <a:bodyPr anchorCtr="0" anchor="t" bIns="91425" lIns="91425" spcFirstLastPara="1" rIns="91425" wrap="square" tIns="91425">
+          <a:bodyPr spcFirstLastPara="1" wrap="square" lIns="91425" tIns="91425" rIns="91425" bIns="91425" anchor="t" anchorCtr="0">
             <a:noAutofit/>
           </a:bodyPr>
           <a:lstStyle/>
           <a:p>
-            <a:pPr indent="0" lvl="0" marL="0" rtl="0" algn="l">
+            <a:pPr marL="0" lvl="0" indent="0" algn="l" rtl="0">
               <a:spcBef>
                 <a:spcPts val="0"/>
               </a:spcBef>
@@ -872,9 +908,6 @@
               </a:spcAft>
               <a:buNone/>
             </a:pPr>
-            <a:r>
-              <a:t/>
-            </a:r>
             <a:endParaRPr/>
           </a:p>
         </p:txBody>
@@ -888,11 +921,11 @@
 </file>
 
 <file path=ppt/notesSlides/notesSlide3.xml><?xml version="1.0" encoding="utf-8"?>
-<p:notes xmlns:a="http://schemas.openxmlformats.org/drawingml/2006/main" xmlns:r="http://schemas.openxmlformats.org/officeDocument/2006/relationships" xmlns:mc="http://schemas.openxmlformats.org/markup-compatibility/2006" xmlns:mv="urn:schemas-microsoft-com:mac:vml" xmlns:p="http://schemas.openxmlformats.org/presentationml/2006/main" xmlns:c="http://schemas.openxmlformats.org/drawingml/2006/chart" xmlns:dgm="http://schemas.openxmlformats.org/drawingml/2006/diagram" xmlns:o="urn:schemas-microsoft-com:office:office" xmlns:v="urn:schemas-microsoft-com:vml" xmlns:pvml="urn:schemas-microsoft-com:office:powerpoint" xmlns:com="http://schemas.openxmlformats.org/drawingml/2006/compatibility" xmlns:p14="http://schemas.microsoft.com/office/powerpoint/2010/main" xmlns:p15="http://schemas.microsoft.com/office/powerpoint/2012/main" xmlns:ahyp="http://schemas.microsoft.com/office/drawing/2018/hyperlinkcolor" showMasterPhAnim="0" showMasterSp="0">
+<p:notes xmlns:a="http://schemas.openxmlformats.org/drawingml/2006/main" xmlns:r="http://schemas.openxmlformats.org/officeDocument/2006/relationships" xmlns:p="http://schemas.openxmlformats.org/presentationml/2006/main" showMasterSp="0" showMasterPhAnim="0">
   <p:cSld>
     <p:spTree>
       <p:nvGrpSpPr>
-        <p:cNvPr id="62" name="Shape 62"/>
+        <p:cNvPr id="1" name="Shape 62"/>
         <p:cNvGrpSpPr/>
         <p:nvPr/>
       </p:nvGrpSpPr>
@@ -907,20 +940,26 @@
       <p:sp>
         <p:nvSpPr>
           <p:cNvPr id="63" name="Google Shape;63;g1f550183e1d_0_13:notes"/>
-          <p:cNvSpPr/>
+          <p:cNvSpPr>
+            <a:spLocks noGrp="1" noRot="1" noChangeAspect="1"/>
+          </p:cNvSpPr>
           <p:nvPr>
-            <p:ph idx="2" type="sldImg"/>
+            <p:ph type="sldImg" idx="2"/>
           </p:nvPr>
         </p:nvSpPr>
         <p:spPr>
           <a:xfrm>
-            <a:off x="381300" y="685800"/>
+            <a:off x="381000" y="685800"/>
             <a:ext cx="6096000" cy="3429000"/>
           </a:xfrm>
           <a:custGeom>
-            <a:rect b="b" l="l" r="r" t="t"/>
+            <a:avLst/>
+            <a:gdLst/>
+            <a:ahLst/>
+            <a:cxnLst/>
+            <a:rect l="l" t="t" r="r" b="b"/>
             <a:pathLst>
-              <a:path extrusionOk="0" h="120000" w="120000">
+              <a:path w="120000" h="120000" extrusionOk="0">
                 <a:moveTo>
                   <a:pt x="0" y="0"/>
                 </a:moveTo>
@@ -942,9 +981,11 @@
       <p:sp>
         <p:nvSpPr>
           <p:cNvPr id="64" name="Google Shape;64;g1f550183e1d_0_13:notes"/>
-          <p:cNvSpPr txBox="1"/>
+          <p:cNvSpPr txBox="1">
+            <a:spLocks noGrp="1"/>
+          </p:cNvSpPr>
           <p:nvPr>
-            <p:ph idx="1" type="body"/>
+            <p:ph type="body" idx="1"/>
           </p:nvPr>
         </p:nvSpPr>
         <p:spPr>
@@ -957,12 +998,12 @@
           </a:prstGeom>
         </p:spPr>
         <p:txBody>
-          <a:bodyPr anchorCtr="0" anchor="t" bIns="91425" lIns="91425" spcFirstLastPara="1" rIns="91425" wrap="square" tIns="91425">
+          <a:bodyPr spcFirstLastPara="1" wrap="square" lIns="91425" tIns="91425" rIns="91425" bIns="91425" anchor="t" anchorCtr="0">
             <a:noAutofit/>
           </a:bodyPr>
           <a:lstStyle/>
           <a:p>
-            <a:pPr indent="0" lvl="0" marL="0" rtl="0" algn="l">
+            <a:pPr marL="0" lvl="0" indent="0" algn="l" rtl="0">
               <a:spcBef>
                 <a:spcPts val="0"/>
               </a:spcBef>
@@ -971,9 +1012,6 @@
               </a:spcAft>
               <a:buNone/>
             </a:pPr>
-            <a:r>
-              <a:t/>
-            </a:r>
             <a:endParaRPr/>
           </a:p>
         </p:txBody>
@@ -987,11 +1025,11 @@
 </file>
 
 <file path=ppt/notesSlides/notesSlide4.xml><?xml version="1.0" encoding="utf-8"?>
-<p:notes xmlns:a="http://schemas.openxmlformats.org/drawingml/2006/main" xmlns:r="http://schemas.openxmlformats.org/officeDocument/2006/relationships" xmlns:mc="http://schemas.openxmlformats.org/markup-compatibility/2006" xmlns:mv="urn:schemas-microsoft-com:mac:vml" xmlns:p="http://schemas.openxmlformats.org/presentationml/2006/main" xmlns:c="http://schemas.openxmlformats.org/drawingml/2006/chart" xmlns:dgm="http://schemas.openxmlformats.org/drawingml/2006/diagram" xmlns:o="urn:schemas-microsoft-com:office:office" xmlns:v="urn:schemas-microsoft-com:vml" xmlns:pvml="urn:schemas-microsoft-com:office:powerpoint" xmlns:com="http://schemas.openxmlformats.org/drawingml/2006/compatibility" xmlns:p14="http://schemas.microsoft.com/office/powerpoint/2010/main" xmlns:p15="http://schemas.microsoft.com/office/powerpoint/2012/main" xmlns:ahyp="http://schemas.microsoft.com/office/drawing/2018/hyperlinkcolor" showMasterPhAnim="0" showMasterSp="0">
+<p:notes xmlns:a="http://schemas.openxmlformats.org/drawingml/2006/main" xmlns:r="http://schemas.openxmlformats.org/officeDocument/2006/relationships" xmlns:p="http://schemas.openxmlformats.org/presentationml/2006/main" showMasterSp="0" showMasterPhAnim="0">
   <p:cSld>
     <p:spTree>
       <p:nvGrpSpPr>
-        <p:cNvPr id="67" name="Shape 67"/>
+        <p:cNvPr id="1" name="Shape 67"/>
         <p:cNvGrpSpPr/>
         <p:nvPr/>
       </p:nvGrpSpPr>
@@ -1006,20 +1044,26 @@
       <p:sp>
         <p:nvSpPr>
           <p:cNvPr id="68" name="Google Shape;68;g1f550183e1d_0_16:notes"/>
-          <p:cNvSpPr/>
+          <p:cNvSpPr>
+            <a:spLocks noGrp="1" noRot="1" noChangeAspect="1"/>
+          </p:cNvSpPr>
           <p:nvPr>
-            <p:ph idx="2" type="sldImg"/>
+            <p:ph type="sldImg" idx="2"/>
           </p:nvPr>
         </p:nvSpPr>
         <p:spPr>
           <a:xfrm>
-            <a:off x="381300" y="685800"/>
+            <a:off x="381000" y="685800"/>
             <a:ext cx="6096000" cy="3429000"/>
           </a:xfrm>
           <a:custGeom>
-            <a:rect b="b" l="l" r="r" t="t"/>
+            <a:avLst/>
+            <a:gdLst/>
+            <a:ahLst/>
+            <a:cxnLst/>
+            <a:rect l="l" t="t" r="r" b="b"/>
             <a:pathLst>
-              <a:path extrusionOk="0" h="120000" w="120000">
+              <a:path w="120000" h="120000" extrusionOk="0">
                 <a:moveTo>
                   <a:pt x="0" y="0"/>
                 </a:moveTo>
@@ -1041,9 +1085,11 @@
       <p:sp>
         <p:nvSpPr>
           <p:cNvPr id="69" name="Google Shape;69;g1f550183e1d_0_16:notes"/>
-          <p:cNvSpPr txBox="1"/>
+          <p:cNvSpPr txBox="1">
+            <a:spLocks noGrp="1"/>
+          </p:cNvSpPr>
           <p:nvPr>
-            <p:ph idx="1" type="body"/>
+            <p:ph type="body" idx="1"/>
           </p:nvPr>
         </p:nvSpPr>
         <p:spPr>
@@ -1056,12 +1102,12 @@
           </a:prstGeom>
         </p:spPr>
         <p:txBody>
-          <a:bodyPr anchorCtr="0" anchor="t" bIns="91425" lIns="91425" spcFirstLastPara="1" rIns="91425" wrap="square" tIns="91425">
+          <a:bodyPr spcFirstLastPara="1" wrap="square" lIns="91425" tIns="91425" rIns="91425" bIns="91425" anchor="t" anchorCtr="0">
             <a:noAutofit/>
           </a:bodyPr>
           <a:lstStyle/>
           <a:p>
-            <a:pPr indent="0" lvl="0" marL="0" rtl="0" algn="l">
+            <a:pPr marL="0" lvl="0" indent="0" algn="l" rtl="0">
               <a:spcBef>
                 <a:spcPts val="0"/>
               </a:spcBef>
@@ -1070,9 +1116,6 @@
               </a:spcAft>
               <a:buNone/>
             </a:pPr>
-            <a:r>
-              <a:t/>
-            </a:r>
             <a:endParaRPr/>
           </a:p>
         </p:txBody>
@@ -1086,11 +1129,11 @@
 </file>
 
 <file path=ppt/slideLayouts/slideLayout1.xml><?xml version="1.0" encoding="utf-8"?>
-<p:sldLayout xmlns:a="http://schemas.openxmlformats.org/drawingml/2006/main" xmlns:r="http://schemas.openxmlformats.org/officeDocument/2006/relationships" xmlns:mc="http://schemas.openxmlformats.org/markup-compatibility/2006" xmlns:mv="urn:schemas-microsoft-com:mac:vml" xmlns:p="http://schemas.openxmlformats.org/presentationml/2006/main" xmlns:c="http://schemas.openxmlformats.org/drawingml/2006/chart" xmlns:dgm="http://schemas.openxmlformats.org/drawingml/2006/diagram" xmlns:o="urn:schemas-microsoft-com:office:office" xmlns:v="urn:schemas-microsoft-com:vml" xmlns:pvml="urn:schemas-microsoft-com:office:powerpoint" xmlns:com="http://schemas.openxmlformats.org/drawingml/2006/compatibility" xmlns:p14="http://schemas.microsoft.com/office/powerpoint/2010/main" xmlns:p15="http://schemas.microsoft.com/office/powerpoint/2012/main" xmlns:ahyp="http://schemas.microsoft.com/office/drawing/2018/hyperlinkcolor" matchingName="Title slide" type="title">
+<p:sldLayout xmlns:a="http://schemas.openxmlformats.org/drawingml/2006/main" xmlns:r="http://schemas.openxmlformats.org/officeDocument/2006/relationships" xmlns:p="http://schemas.openxmlformats.org/presentationml/2006/main" matchingName="Title slide" type="title">
   <p:cSld name="TITLE">
     <p:spTree>
       <p:nvGrpSpPr>
-        <p:cNvPr id="9" name="Shape 9"/>
+        <p:cNvPr id="1" name="Shape 9"/>
         <p:cNvGrpSpPr/>
         <p:nvPr/>
       </p:nvGrpSpPr>
@@ -1105,7 +1148,9 @@
       <p:sp>
         <p:nvSpPr>
           <p:cNvPr id="10" name="Google Shape;10;p2"/>
-          <p:cNvSpPr txBox="1"/>
+          <p:cNvSpPr txBox="1">
+            <a:spLocks noGrp="1"/>
+          </p:cNvSpPr>
           <p:nvPr>
             <p:ph type="ctrTitle"/>
           </p:nvPr>
@@ -1120,7 +1165,7 @@
           </a:prstGeom>
         </p:spPr>
         <p:txBody>
-          <a:bodyPr anchorCtr="0" anchor="b" bIns="91425" lIns="91425" spcFirstLastPara="1" rIns="91425" wrap="square" tIns="91425">
+          <a:bodyPr spcFirstLastPara="1" wrap="square" lIns="91425" tIns="91425" rIns="91425" bIns="91425" anchor="b" anchorCtr="0">
             <a:normAutofit/>
           </a:bodyPr>
           <a:lstStyle>
@@ -1224,15 +1269,19 @@
               <a:defRPr sz="5200"/>
             </a:lvl9pPr>
           </a:lstStyle>
-          <a:p/>
+          <a:p>
+            <a:endParaRPr/>
+          </a:p>
         </p:txBody>
       </p:sp>
       <p:sp>
         <p:nvSpPr>
           <p:cNvPr id="11" name="Google Shape;11;p2"/>
-          <p:cNvSpPr txBox="1"/>
+          <p:cNvSpPr txBox="1">
+            <a:spLocks noGrp="1"/>
+          </p:cNvSpPr>
           <p:nvPr>
-            <p:ph idx="1" type="subTitle"/>
+            <p:ph type="subTitle" idx="1"/>
           </p:nvPr>
         </p:nvSpPr>
         <p:spPr>
@@ -1245,7 +1294,7 @@
           </a:prstGeom>
         </p:spPr>
         <p:txBody>
-          <a:bodyPr anchorCtr="0" anchor="t" bIns="91425" lIns="91425" spcFirstLastPara="1" rIns="91425" wrap="square" tIns="91425">
+          <a:bodyPr spcFirstLastPara="1" wrap="square" lIns="91425" tIns="91425" rIns="91425" bIns="91425" anchor="t" anchorCtr="0">
             <a:normAutofit/>
           </a:bodyPr>
           <a:lstStyle>
@@ -1376,15 +1425,19 @@
               <a:defRPr sz="2800"/>
             </a:lvl9pPr>
           </a:lstStyle>
-          <a:p/>
+          <a:p>
+            <a:endParaRPr/>
+          </a:p>
         </p:txBody>
       </p:sp>
       <p:sp>
         <p:nvSpPr>
           <p:cNvPr id="12" name="Google Shape;12;p2"/>
-          <p:cNvSpPr txBox="1"/>
+          <p:cNvSpPr txBox="1">
+            <a:spLocks noGrp="1"/>
+          </p:cNvSpPr>
           <p:nvPr>
-            <p:ph idx="12" type="sldNum"/>
+            <p:ph type="sldNum" idx="12"/>
           </p:nvPr>
         </p:nvSpPr>
         <p:spPr>
@@ -1397,7 +1450,7 @@
           </a:prstGeom>
         </p:spPr>
         <p:txBody>
-          <a:bodyPr anchorCtr="0" anchor="ctr" bIns="91425" lIns="91425" spcFirstLastPara="1" rIns="91425" wrap="square" tIns="91425">
+          <a:bodyPr spcFirstLastPara="1" wrap="square" lIns="91425" tIns="91425" rIns="91425" bIns="91425" anchor="ctr" anchorCtr="0">
             <a:normAutofit/>
           </a:bodyPr>
           <a:lstStyle>
@@ -1439,7 +1492,7 @@
             </a:lvl9pPr>
           </a:lstStyle>
           <a:p>
-            <a:pPr indent="0" lvl="0" marL="0" rtl="0" algn="r">
+            <a:pPr marL="0" lvl="0" indent="0" algn="r" rtl="0">
               <a:spcBef>
                 <a:spcPts val="0"/>
               </a:spcBef>
@@ -1465,11 +1518,11 @@
 </file>
 
 <file path=ppt/slideLayouts/slideLayout10.xml><?xml version="1.0" encoding="utf-8"?>
-<p:sldLayout xmlns:a="http://schemas.openxmlformats.org/drawingml/2006/main" xmlns:r="http://schemas.openxmlformats.org/officeDocument/2006/relationships" xmlns:mc="http://schemas.openxmlformats.org/markup-compatibility/2006" xmlns:mv="urn:schemas-microsoft-com:mac:vml" xmlns:p="http://schemas.openxmlformats.org/presentationml/2006/main" xmlns:c="http://schemas.openxmlformats.org/drawingml/2006/chart" xmlns:dgm="http://schemas.openxmlformats.org/drawingml/2006/diagram" xmlns:o="urn:schemas-microsoft-com:office:office" xmlns:v="urn:schemas-microsoft-com:vml" xmlns:pvml="urn:schemas-microsoft-com:office:powerpoint" xmlns:com="http://schemas.openxmlformats.org/drawingml/2006/compatibility" xmlns:p14="http://schemas.microsoft.com/office/powerpoint/2010/main" xmlns:p15="http://schemas.microsoft.com/office/powerpoint/2012/main" xmlns:ahyp="http://schemas.microsoft.com/office/drawing/2018/hyperlinkcolor" matchingName="Big number">
+<p:sldLayout xmlns:a="http://schemas.openxmlformats.org/drawingml/2006/main" xmlns:r="http://schemas.openxmlformats.org/officeDocument/2006/relationships" xmlns:p="http://schemas.openxmlformats.org/presentationml/2006/main" matchingName="Big number">
   <p:cSld name="BIG_NUMBER">
     <p:spTree>
       <p:nvGrpSpPr>
-        <p:cNvPr id="44" name="Shape 44"/>
+        <p:cNvPr id="1" name="Shape 44"/>
         <p:cNvGrpSpPr/>
         <p:nvPr/>
       </p:nvGrpSpPr>
@@ -1484,9 +1537,11 @@
       <p:sp>
         <p:nvSpPr>
           <p:cNvPr id="45" name="Google Shape;45;p11"/>
-          <p:cNvSpPr txBox="1"/>
+          <p:cNvSpPr txBox="1">
+            <a:spLocks noGrp="1"/>
+          </p:cNvSpPr>
           <p:nvPr>
-            <p:ph hasCustomPrompt="1" type="title"/>
+            <p:ph type="title" hasCustomPrompt="1"/>
           </p:nvPr>
         </p:nvSpPr>
         <p:spPr>
@@ -1499,7 +1554,7 @@
           </a:prstGeom>
         </p:spPr>
         <p:txBody>
-          <a:bodyPr anchorCtr="0" anchor="b" bIns="91425" lIns="91425" spcFirstLastPara="1" rIns="91425" wrap="square" tIns="91425">
+          <a:bodyPr spcFirstLastPara="1" wrap="square" lIns="91425" tIns="91425" rIns="91425" bIns="91425" anchor="b" anchorCtr="0">
             <a:normAutofit/>
           </a:bodyPr>
           <a:lstStyle>
@@ -1613,9 +1668,11 @@
       <p:sp>
         <p:nvSpPr>
           <p:cNvPr id="46" name="Google Shape;46;p11"/>
-          <p:cNvSpPr txBox="1"/>
+          <p:cNvSpPr txBox="1">
+            <a:spLocks noGrp="1"/>
+          </p:cNvSpPr>
           <p:nvPr>
-            <p:ph idx="1" type="body"/>
+            <p:ph type="body" idx="1"/>
           </p:nvPr>
         </p:nvSpPr>
         <p:spPr>
@@ -1628,11 +1685,11 @@
           </a:prstGeom>
         </p:spPr>
         <p:txBody>
-          <a:bodyPr anchorCtr="0" anchor="t" bIns="91425" lIns="91425" spcFirstLastPara="1" rIns="91425" wrap="square" tIns="91425">
+          <a:bodyPr spcFirstLastPara="1" wrap="square" lIns="91425" tIns="91425" rIns="91425" bIns="91425" anchor="t" anchorCtr="0">
             <a:normAutofit/>
           </a:bodyPr>
           <a:lstStyle>
-            <a:lvl1pPr indent="-342900" lvl="0" marL="457200" algn="ctr">
+            <a:lvl1pPr marL="457200" lvl="0" indent="-342900" algn="ctr">
               <a:spcBef>
                 <a:spcPts val="0"/>
               </a:spcBef>
@@ -1643,7 +1700,7 @@
               <a:buChar char="●"/>
               <a:defRPr/>
             </a:lvl1pPr>
-            <a:lvl2pPr indent="-317500" lvl="1" marL="914400" algn="ctr">
+            <a:lvl2pPr marL="914400" lvl="1" indent="-317500" algn="ctr">
               <a:spcBef>
                 <a:spcPts val="0"/>
               </a:spcBef>
@@ -1654,7 +1711,7 @@
               <a:buChar char="○"/>
               <a:defRPr/>
             </a:lvl2pPr>
-            <a:lvl3pPr indent="-317500" lvl="2" marL="1371600" algn="ctr">
+            <a:lvl3pPr marL="1371600" lvl="2" indent="-317500" algn="ctr">
               <a:spcBef>
                 <a:spcPts val="0"/>
               </a:spcBef>
@@ -1665,7 +1722,7 @@
               <a:buChar char="■"/>
               <a:defRPr/>
             </a:lvl3pPr>
-            <a:lvl4pPr indent="-317500" lvl="3" marL="1828800" algn="ctr">
+            <a:lvl4pPr marL="1828800" lvl="3" indent="-317500" algn="ctr">
               <a:spcBef>
                 <a:spcPts val="0"/>
               </a:spcBef>
@@ -1676,7 +1733,7 @@
               <a:buChar char="●"/>
               <a:defRPr/>
             </a:lvl4pPr>
-            <a:lvl5pPr indent="-317500" lvl="4" marL="2286000" algn="ctr">
+            <a:lvl5pPr marL="2286000" lvl="4" indent="-317500" algn="ctr">
               <a:spcBef>
                 <a:spcPts val="0"/>
               </a:spcBef>
@@ -1687,7 +1744,7 @@
               <a:buChar char="○"/>
               <a:defRPr/>
             </a:lvl5pPr>
-            <a:lvl6pPr indent="-317500" lvl="5" marL="2743200" algn="ctr">
+            <a:lvl6pPr marL="2743200" lvl="5" indent="-317500" algn="ctr">
               <a:spcBef>
                 <a:spcPts val="0"/>
               </a:spcBef>
@@ -1698,7 +1755,7 @@
               <a:buChar char="■"/>
               <a:defRPr/>
             </a:lvl6pPr>
-            <a:lvl7pPr indent="-317500" lvl="6" marL="3200400" algn="ctr">
+            <a:lvl7pPr marL="3200400" lvl="6" indent="-317500" algn="ctr">
               <a:spcBef>
                 <a:spcPts val="0"/>
               </a:spcBef>
@@ -1709,7 +1766,7 @@
               <a:buChar char="●"/>
               <a:defRPr/>
             </a:lvl7pPr>
-            <a:lvl8pPr indent="-317500" lvl="7" marL="3657600" algn="ctr">
+            <a:lvl8pPr marL="3657600" lvl="7" indent="-317500" algn="ctr">
               <a:spcBef>
                 <a:spcPts val="0"/>
               </a:spcBef>
@@ -1720,7 +1777,7 @@
               <a:buChar char="○"/>
               <a:defRPr/>
             </a:lvl8pPr>
-            <a:lvl9pPr indent="-317500" lvl="8" marL="4114800" algn="ctr">
+            <a:lvl9pPr marL="4114800" lvl="8" indent="-317500" algn="ctr">
               <a:spcBef>
                 <a:spcPts val="0"/>
               </a:spcBef>
@@ -1732,15 +1789,19 @@
               <a:defRPr/>
             </a:lvl9pPr>
           </a:lstStyle>
-          <a:p/>
+          <a:p>
+            <a:endParaRPr/>
+          </a:p>
         </p:txBody>
       </p:sp>
       <p:sp>
         <p:nvSpPr>
           <p:cNvPr id="47" name="Google Shape;47;p11"/>
-          <p:cNvSpPr txBox="1"/>
+          <p:cNvSpPr txBox="1">
+            <a:spLocks noGrp="1"/>
+          </p:cNvSpPr>
           <p:nvPr>
-            <p:ph idx="12" type="sldNum"/>
+            <p:ph type="sldNum" idx="12"/>
           </p:nvPr>
         </p:nvSpPr>
         <p:spPr>
@@ -1753,7 +1814,7 @@
           </a:prstGeom>
         </p:spPr>
         <p:txBody>
-          <a:bodyPr anchorCtr="0" anchor="ctr" bIns="91425" lIns="91425" spcFirstLastPara="1" rIns="91425" wrap="square" tIns="91425">
+          <a:bodyPr spcFirstLastPara="1" wrap="square" lIns="91425" tIns="91425" rIns="91425" bIns="91425" anchor="ctr" anchorCtr="0">
             <a:normAutofit/>
           </a:bodyPr>
           <a:lstStyle>
@@ -1795,7 +1856,7 @@
             </a:lvl9pPr>
           </a:lstStyle>
           <a:p>
-            <a:pPr indent="0" lvl="0" marL="0" rtl="0" algn="r">
+            <a:pPr marL="0" lvl="0" indent="0" algn="r" rtl="0">
               <a:spcBef>
                 <a:spcPts val="0"/>
               </a:spcBef>
@@ -1821,11 +1882,11 @@
 </file>
 
 <file path=ppt/slideLayouts/slideLayout11.xml><?xml version="1.0" encoding="utf-8"?>
-<p:sldLayout xmlns:a="http://schemas.openxmlformats.org/drawingml/2006/main" xmlns:r="http://schemas.openxmlformats.org/officeDocument/2006/relationships" xmlns:mc="http://schemas.openxmlformats.org/markup-compatibility/2006" xmlns:mv="urn:schemas-microsoft-com:mac:vml" xmlns:p="http://schemas.openxmlformats.org/presentationml/2006/main" xmlns:c="http://schemas.openxmlformats.org/drawingml/2006/chart" xmlns:dgm="http://schemas.openxmlformats.org/drawingml/2006/diagram" xmlns:o="urn:schemas-microsoft-com:office:office" xmlns:v="urn:schemas-microsoft-com:vml" xmlns:pvml="urn:schemas-microsoft-com:office:powerpoint" xmlns:com="http://schemas.openxmlformats.org/drawingml/2006/compatibility" xmlns:p14="http://schemas.microsoft.com/office/powerpoint/2010/main" xmlns:p15="http://schemas.microsoft.com/office/powerpoint/2012/main" xmlns:ahyp="http://schemas.microsoft.com/office/drawing/2018/hyperlinkcolor" matchingName="Blank" type="blank">
+<p:sldLayout xmlns:a="http://schemas.openxmlformats.org/drawingml/2006/main" xmlns:r="http://schemas.openxmlformats.org/officeDocument/2006/relationships" xmlns:p="http://schemas.openxmlformats.org/presentationml/2006/main" matchingName="Blank" type="blank">
   <p:cSld name="BLANK">
     <p:spTree>
       <p:nvGrpSpPr>
-        <p:cNvPr id="48" name="Shape 48"/>
+        <p:cNvPr id="1" name="Shape 48"/>
         <p:cNvGrpSpPr/>
         <p:nvPr/>
       </p:nvGrpSpPr>
@@ -1840,9 +1901,11 @@
       <p:sp>
         <p:nvSpPr>
           <p:cNvPr id="49" name="Google Shape;49;p12"/>
-          <p:cNvSpPr txBox="1"/>
+          <p:cNvSpPr txBox="1">
+            <a:spLocks noGrp="1"/>
+          </p:cNvSpPr>
           <p:nvPr>
-            <p:ph idx="12" type="sldNum"/>
+            <p:ph type="sldNum" idx="12"/>
           </p:nvPr>
         </p:nvSpPr>
         <p:spPr>
@@ -1855,7 +1918,7 @@
           </a:prstGeom>
         </p:spPr>
         <p:txBody>
-          <a:bodyPr anchorCtr="0" anchor="ctr" bIns="91425" lIns="91425" spcFirstLastPara="1" rIns="91425" wrap="square" tIns="91425">
+          <a:bodyPr spcFirstLastPara="1" wrap="square" lIns="91425" tIns="91425" rIns="91425" bIns="91425" anchor="ctr" anchorCtr="0">
             <a:normAutofit/>
           </a:bodyPr>
           <a:lstStyle>
@@ -1897,7 +1960,7 @@
             </a:lvl9pPr>
           </a:lstStyle>
           <a:p>
-            <a:pPr indent="0" lvl="0" marL="0" rtl="0" algn="r">
+            <a:pPr marL="0" lvl="0" indent="0" algn="r" rtl="0">
               <a:spcBef>
                 <a:spcPts val="0"/>
               </a:spcBef>
@@ -1923,11 +1986,11 @@
 </file>
 
 <file path=ppt/slideLayouts/slideLayout2.xml><?xml version="1.0" encoding="utf-8"?>
-<p:sldLayout xmlns:a="http://schemas.openxmlformats.org/drawingml/2006/main" xmlns:r="http://schemas.openxmlformats.org/officeDocument/2006/relationships" xmlns:mc="http://schemas.openxmlformats.org/markup-compatibility/2006" xmlns:mv="urn:schemas-microsoft-com:mac:vml" xmlns:p="http://schemas.openxmlformats.org/presentationml/2006/main" xmlns:c="http://schemas.openxmlformats.org/drawingml/2006/chart" xmlns:dgm="http://schemas.openxmlformats.org/drawingml/2006/diagram" xmlns:o="urn:schemas-microsoft-com:office:office" xmlns:v="urn:schemas-microsoft-com:vml" xmlns:pvml="urn:schemas-microsoft-com:office:powerpoint" xmlns:com="http://schemas.openxmlformats.org/drawingml/2006/compatibility" xmlns:p14="http://schemas.microsoft.com/office/powerpoint/2010/main" xmlns:p15="http://schemas.microsoft.com/office/powerpoint/2012/main" xmlns:ahyp="http://schemas.microsoft.com/office/drawing/2018/hyperlinkcolor" matchingName="Section header" type="secHead">
+<p:sldLayout xmlns:a="http://schemas.openxmlformats.org/drawingml/2006/main" xmlns:r="http://schemas.openxmlformats.org/officeDocument/2006/relationships" xmlns:p="http://schemas.openxmlformats.org/presentationml/2006/main" matchingName="Section header" type="secHead">
   <p:cSld name="SECTION_HEADER">
     <p:spTree>
       <p:nvGrpSpPr>
-        <p:cNvPr id="13" name="Shape 13"/>
+        <p:cNvPr id="1" name="Shape 13"/>
         <p:cNvGrpSpPr/>
         <p:nvPr/>
       </p:nvGrpSpPr>
@@ -1942,7 +2005,9 @@
       <p:sp>
         <p:nvSpPr>
           <p:cNvPr id="14" name="Google Shape;14;p3"/>
-          <p:cNvSpPr txBox="1"/>
+          <p:cNvSpPr txBox="1">
+            <a:spLocks noGrp="1"/>
+          </p:cNvSpPr>
           <p:nvPr>
             <p:ph type="title"/>
           </p:nvPr>
@@ -1957,7 +2022,7 @@
           </a:prstGeom>
         </p:spPr>
         <p:txBody>
-          <a:bodyPr anchorCtr="0" anchor="ctr" bIns="91425" lIns="91425" spcFirstLastPara="1" rIns="91425" wrap="square" tIns="91425">
+          <a:bodyPr spcFirstLastPara="1" wrap="square" lIns="91425" tIns="91425" rIns="91425" bIns="91425" anchor="ctr" anchorCtr="0">
             <a:normAutofit/>
           </a:bodyPr>
           <a:lstStyle>
@@ -2061,15 +2126,19 @@
               <a:defRPr sz="3600"/>
             </a:lvl9pPr>
           </a:lstStyle>
-          <a:p/>
+          <a:p>
+            <a:endParaRPr/>
+          </a:p>
         </p:txBody>
       </p:sp>
       <p:sp>
         <p:nvSpPr>
           <p:cNvPr id="15" name="Google Shape;15;p3"/>
-          <p:cNvSpPr txBox="1"/>
+          <p:cNvSpPr txBox="1">
+            <a:spLocks noGrp="1"/>
+          </p:cNvSpPr>
           <p:nvPr>
-            <p:ph idx="12" type="sldNum"/>
+            <p:ph type="sldNum" idx="12"/>
           </p:nvPr>
         </p:nvSpPr>
         <p:spPr>
@@ -2082,7 +2151,7 @@
           </a:prstGeom>
         </p:spPr>
         <p:txBody>
-          <a:bodyPr anchorCtr="0" anchor="ctr" bIns="91425" lIns="91425" spcFirstLastPara="1" rIns="91425" wrap="square" tIns="91425">
+          <a:bodyPr spcFirstLastPara="1" wrap="square" lIns="91425" tIns="91425" rIns="91425" bIns="91425" anchor="ctr" anchorCtr="0">
             <a:normAutofit/>
           </a:bodyPr>
           <a:lstStyle>
@@ -2124,7 +2193,7 @@
             </a:lvl9pPr>
           </a:lstStyle>
           <a:p>
-            <a:pPr indent="0" lvl="0" marL="0" rtl="0" algn="r">
+            <a:pPr marL="0" lvl="0" indent="0" algn="r" rtl="0">
               <a:spcBef>
                 <a:spcPts val="0"/>
               </a:spcBef>
@@ -2150,11 +2219,11 @@
 </file>
 
 <file path=ppt/slideLayouts/slideLayout3.xml><?xml version="1.0" encoding="utf-8"?>
-<p:sldLayout xmlns:a="http://schemas.openxmlformats.org/drawingml/2006/main" xmlns:r="http://schemas.openxmlformats.org/officeDocument/2006/relationships" xmlns:mc="http://schemas.openxmlformats.org/markup-compatibility/2006" xmlns:mv="urn:schemas-microsoft-com:mac:vml" xmlns:p="http://schemas.openxmlformats.org/presentationml/2006/main" xmlns:c="http://schemas.openxmlformats.org/drawingml/2006/chart" xmlns:dgm="http://schemas.openxmlformats.org/drawingml/2006/diagram" xmlns:o="urn:schemas-microsoft-com:office:office" xmlns:v="urn:schemas-microsoft-com:vml" xmlns:pvml="urn:schemas-microsoft-com:office:powerpoint" xmlns:com="http://schemas.openxmlformats.org/drawingml/2006/compatibility" xmlns:p14="http://schemas.microsoft.com/office/powerpoint/2010/main" xmlns:p15="http://schemas.microsoft.com/office/powerpoint/2012/main" xmlns:ahyp="http://schemas.microsoft.com/office/drawing/2018/hyperlinkcolor" matchingName="Title and body" type="tx">
+<p:sldLayout xmlns:a="http://schemas.openxmlformats.org/drawingml/2006/main" xmlns:r="http://schemas.openxmlformats.org/officeDocument/2006/relationships" xmlns:p="http://schemas.openxmlformats.org/presentationml/2006/main" matchingName="Title and body" type="tx">
   <p:cSld name="TITLE_AND_BODY">
     <p:spTree>
       <p:nvGrpSpPr>
-        <p:cNvPr id="16" name="Shape 16"/>
+        <p:cNvPr id="1" name="Shape 16"/>
         <p:cNvGrpSpPr/>
         <p:nvPr/>
       </p:nvGrpSpPr>
@@ -2169,7 +2238,9 @@
       <p:sp>
         <p:nvSpPr>
           <p:cNvPr id="17" name="Google Shape;17;p4"/>
-          <p:cNvSpPr txBox="1"/>
+          <p:cNvSpPr txBox="1">
+            <a:spLocks noGrp="1"/>
+          </p:cNvSpPr>
           <p:nvPr>
             <p:ph type="title"/>
           </p:nvPr>
@@ -2184,7 +2255,7 @@
           </a:prstGeom>
         </p:spPr>
         <p:txBody>
-          <a:bodyPr anchorCtr="0" anchor="t" bIns="91425" lIns="91425" spcFirstLastPara="1" rIns="91425" wrap="square" tIns="91425">
+          <a:bodyPr spcFirstLastPara="1" wrap="square" lIns="91425" tIns="91425" rIns="91425" bIns="91425" anchor="t" anchorCtr="0">
             <a:normAutofit/>
           </a:bodyPr>
           <a:lstStyle>
@@ -2288,15 +2359,19 @@
               <a:defRPr/>
             </a:lvl9pPr>
           </a:lstStyle>
-          <a:p/>
+          <a:p>
+            <a:endParaRPr/>
+          </a:p>
         </p:txBody>
       </p:sp>
       <p:sp>
         <p:nvSpPr>
           <p:cNvPr id="18" name="Google Shape;18;p4"/>
-          <p:cNvSpPr txBox="1"/>
+          <p:cNvSpPr txBox="1">
+            <a:spLocks noGrp="1"/>
+          </p:cNvSpPr>
           <p:nvPr>
-            <p:ph idx="1" type="body"/>
+            <p:ph type="body" idx="1"/>
           </p:nvPr>
         </p:nvSpPr>
         <p:spPr>
@@ -2309,11 +2384,11 @@
           </a:prstGeom>
         </p:spPr>
         <p:txBody>
-          <a:bodyPr anchorCtr="0" anchor="t" bIns="91425" lIns="91425" spcFirstLastPara="1" rIns="91425" wrap="square" tIns="91425">
+          <a:bodyPr spcFirstLastPara="1" wrap="square" lIns="91425" tIns="91425" rIns="91425" bIns="91425" anchor="t" anchorCtr="0">
             <a:normAutofit/>
           </a:bodyPr>
           <a:lstStyle>
-            <a:lvl1pPr indent="-342900" lvl="0" marL="457200">
+            <a:lvl1pPr marL="457200" lvl="0" indent="-342900">
               <a:spcBef>
                 <a:spcPts val="0"/>
               </a:spcBef>
@@ -2324,7 +2399,7 @@
               <a:buChar char="●"/>
               <a:defRPr/>
             </a:lvl1pPr>
-            <a:lvl2pPr indent="-317500" lvl="1" marL="914400">
+            <a:lvl2pPr marL="914400" lvl="1" indent="-317500">
               <a:spcBef>
                 <a:spcPts val="0"/>
               </a:spcBef>
@@ -2335,7 +2410,7 @@
               <a:buChar char="○"/>
               <a:defRPr/>
             </a:lvl2pPr>
-            <a:lvl3pPr indent="-317500" lvl="2" marL="1371600">
+            <a:lvl3pPr marL="1371600" lvl="2" indent="-317500">
               <a:spcBef>
                 <a:spcPts val="0"/>
               </a:spcBef>
@@ -2346,7 +2421,7 @@
               <a:buChar char="■"/>
               <a:defRPr/>
             </a:lvl3pPr>
-            <a:lvl4pPr indent="-317500" lvl="3" marL="1828800">
+            <a:lvl4pPr marL="1828800" lvl="3" indent="-317500">
               <a:spcBef>
                 <a:spcPts val="0"/>
               </a:spcBef>
@@ -2357,7 +2432,7 @@
               <a:buChar char="●"/>
               <a:defRPr/>
             </a:lvl4pPr>
-            <a:lvl5pPr indent="-317500" lvl="4" marL="2286000">
+            <a:lvl5pPr marL="2286000" lvl="4" indent="-317500">
               <a:spcBef>
                 <a:spcPts val="0"/>
               </a:spcBef>
@@ -2368,7 +2443,7 @@
               <a:buChar char="○"/>
               <a:defRPr/>
             </a:lvl5pPr>
-            <a:lvl6pPr indent="-317500" lvl="5" marL="2743200">
+            <a:lvl6pPr marL="2743200" lvl="5" indent="-317500">
               <a:spcBef>
                 <a:spcPts val="0"/>
               </a:spcBef>
@@ -2379,7 +2454,7 @@
               <a:buChar char="■"/>
               <a:defRPr/>
             </a:lvl6pPr>
-            <a:lvl7pPr indent="-317500" lvl="6" marL="3200400">
+            <a:lvl7pPr marL="3200400" lvl="6" indent="-317500">
               <a:spcBef>
                 <a:spcPts val="0"/>
               </a:spcBef>
@@ -2390,7 +2465,7 @@
               <a:buChar char="●"/>
               <a:defRPr/>
             </a:lvl7pPr>
-            <a:lvl8pPr indent="-317500" lvl="7" marL="3657600">
+            <a:lvl8pPr marL="3657600" lvl="7" indent="-317500">
               <a:spcBef>
                 <a:spcPts val="0"/>
               </a:spcBef>
@@ -2401,7 +2476,7 @@
               <a:buChar char="○"/>
               <a:defRPr/>
             </a:lvl8pPr>
-            <a:lvl9pPr indent="-317500" lvl="8" marL="4114800">
+            <a:lvl9pPr marL="4114800" lvl="8" indent="-317500">
               <a:spcBef>
                 <a:spcPts val="0"/>
               </a:spcBef>
@@ -2413,15 +2488,19 @@
               <a:defRPr/>
             </a:lvl9pPr>
           </a:lstStyle>
-          <a:p/>
+          <a:p>
+            <a:endParaRPr/>
+          </a:p>
         </p:txBody>
       </p:sp>
       <p:sp>
         <p:nvSpPr>
           <p:cNvPr id="19" name="Google Shape;19;p4"/>
-          <p:cNvSpPr txBox="1"/>
+          <p:cNvSpPr txBox="1">
+            <a:spLocks noGrp="1"/>
+          </p:cNvSpPr>
           <p:nvPr>
-            <p:ph idx="12" type="sldNum"/>
+            <p:ph type="sldNum" idx="12"/>
           </p:nvPr>
         </p:nvSpPr>
         <p:spPr>
@@ -2434,7 +2513,7 @@
           </a:prstGeom>
         </p:spPr>
         <p:txBody>
-          <a:bodyPr anchorCtr="0" anchor="ctr" bIns="91425" lIns="91425" spcFirstLastPara="1" rIns="91425" wrap="square" tIns="91425">
+          <a:bodyPr spcFirstLastPara="1" wrap="square" lIns="91425" tIns="91425" rIns="91425" bIns="91425" anchor="ctr" anchorCtr="0">
             <a:normAutofit/>
           </a:bodyPr>
           <a:lstStyle>
@@ -2476,7 +2555,7 @@
             </a:lvl9pPr>
           </a:lstStyle>
           <a:p>
-            <a:pPr indent="0" lvl="0" marL="0" rtl="0" algn="r">
+            <a:pPr marL="0" lvl="0" indent="0" algn="r" rtl="0">
               <a:spcBef>
                 <a:spcPts val="0"/>
               </a:spcBef>
@@ -2502,11 +2581,11 @@
 </file>
 
 <file path=ppt/slideLayouts/slideLayout4.xml><?xml version="1.0" encoding="utf-8"?>
-<p:sldLayout xmlns:a="http://schemas.openxmlformats.org/drawingml/2006/main" xmlns:r="http://schemas.openxmlformats.org/officeDocument/2006/relationships" xmlns:mc="http://schemas.openxmlformats.org/markup-compatibility/2006" xmlns:mv="urn:schemas-microsoft-com:mac:vml" xmlns:p="http://schemas.openxmlformats.org/presentationml/2006/main" xmlns:c="http://schemas.openxmlformats.org/drawingml/2006/chart" xmlns:dgm="http://schemas.openxmlformats.org/drawingml/2006/diagram" xmlns:o="urn:schemas-microsoft-com:office:office" xmlns:v="urn:schemas-microsoft-com:vml" xmlns:pvml="urn:schemas-microsoft-com:office:powerpoint" xmlns:com="http://schemas.openxmlformats.org/drawingml/2006/compatibility" xmlns:p14="http://schemas.microsoft.com/office/powerpoint/2010/main" xmlns:p15="http://schemas.microsoft.com/office/powerpoint/2012/main" xmlns:ahyp="http://schemas.microsoft.com/office/drawing/2018/hyperlinkcolor" matchingName="Title and two columns" type="twoColTx">
+<p:sldLayout xmlns:a="http://schemas.openxmlformats.org/drawingml/2006/main" xmlns:r="http://schemas.openxmlformats.org/officeDocument/2006/relationships" xmlns:p="http://schemas.openxmlformats.org/presentationml/2006/main" matchingName="Title and two columns" type="twoColTx">
   <p:cSld name="TITLE_AND_TWO_COLUMNS">
     <p:spTree>
       <p:nvGrpSpPr>
-        <p:cNvPr id="20" name="Shape 20"/>
+        <p:cNvPr id="1" name="Shape 20"/>
         <p:cNvGrpSpPr/>
         <p:nvPr/>
       </p:nvGrpSpPr>
@@ -2521,7 +2600,9 @@
       <p:sp>
         <p:nvSpPr>
           <p:cNvPr id="21" name="Google Shape;21;p5"/>
-          <p:cNvSpPr txBox="1"/>
+          <p:cNvSpPr txBox="1">
+            <a:spLocks noGrp="1"/>
+          </p:cNvSpPr>
           <p:nvPr>
             <p:ph type="title"/>
           </p:nvPr>
@@ -2536,7 +2617,7 @@
           </a:prstGeom>
         </p:spPr>
         <p:txBody>
-          <a:bodyPr anchorCtr="0" anchor="t" bIns="91425" lIns="91425" spcFirstLastPara="1" rIns="91425" wrap="square" tIns="91425">
+          <a:bodyPr spcFirstLastPara="1" wrap="square" lIns="91425" tIns="91425" rIns="91425" bIns="91425" anchor="t" anchorCtr="0">
             <a:normAutofit/>
           </a:bodyPr>
           <a:lstStyle>
@@ -2640,15 +2721,19 @@
               <a:defRPr/>
             </a:lvl9pPr>
           </a:lstStyle>
-          <a:p/>
+          <a:p>
+            <a:endParaRPr/>
+          </a:p>
         </p:txBody>
       </p:sp>
       <p:sp>
         <p:nvSpPr>
           <p:cNvPr id="22" name="Google Shape;22;p5"/>
-          <p:cNvSpPr txBox="1"/>
+          <p:cNvSpPr txBox="1">
+            <a:spLocks noGrp="1"/>
+          </p:cNvSpPr>
           <p:nvPr>
-            <p:ph idx="1" type="body"/>
+            <p:ph type="body" idx="1"/>
           </p:nvPr>
         </p:nvSpPr>
         <p:spPr>
@@ -2661,11 +2746,11 @@
           </a:prstGeom>
         </p:spPr>
         <p:txBody>
-          <a:bodyPr anchorCtr="0" anchor="t" bIns="91425" lIns="91425" spcFirstLastPara="1" rIns="91425" wrap="square" tIns="91425">
+          <a:bodyPr spcFirstLastPara="1" wrap="square" lIns="91425" tIns="91425" rIns="91425" bIns="91425" anchor="t" anchorCtr="0">
             <a:normAutofit/>
           </a:bodyPr>
           <a:lstStyle>
-            <a:lvl1pPr indent="-317500" lvl="0" marL="457200">
+            <a:lvl1pPr marL="457200" lvl="0" indent="-317500">
               <a:spcBef>
                 <a:spcPts val="0"/>
               </a:spcBef>
@@ -2676,7 +2761,7 @@
               <a:buChar char="●"/>
               <a:defRPr sz="1400"/>
             </a:lvl1pPr>
-            <a:lvl2pPr indent="-304800" lvl="1" marL="914400">
+            <a:lvl2pPr marL="914400" lvl="1" indent="-304800">
               <a:spcBef>
                 <a:spcPts val="0"/>
               </a:spcBef>
@@ -2687,7 +2772,7 @@
               <a:buChar char="○"/>
               <a:defRPr sz="1200"/>
             </a:lvl2pPr>
-            <a:lvl3pPr indent="-304800" lvl="2" marL="1371600">
+            <a:lvl3pPr marL="1371600" lvl="2" indent="-304800">
               <a:spcBef>
                 <a:spcPts val="0"/>
               </a:spcBef>
@@ -2698,7 +2783,7 @@
               <a:buChar char="■"/>
               <a:defRPr sz="1200"/>
             </a:lvl3pPr>
-            <a:lvl4pPr indent="-304800" lvl="3" marL="1828800">
+            <a:lvl4pPr marL="1828800" lvl="3" indent="-304800">
               <a:spcBef>
                 <a:spcPts val="0"/>
               </a:spcBef>
@@ -2709,7 +2794,7 @@
               <a:buChar char="●"/>
               <a:defRPr sz="1200"/>
             </a:lvl4pPr>
-            <a:lvl5pPr indent="-304800" lvl="4" marL="2286000">
+            <a:lvl5pPr marL="2286000" lvl="4" indent="-304800">
               <a:spcBef>
                 <a:spcPts val="0"/>
               </a:spcBef>
@@ -2720,7 +2805,7 @@
               <a:buChar char="○"/>
               <a:defRPr sz="1200"/>
             </a:lvl5pPr>
-            <a:lvl6pPr indent="-304800" lvl="5" marL="2743200">
+            <a:lvl6pPr marL="2743200" lvl="5" indent="-304800">
               <a:spcBef>
                 <a:spcPts val="0"/>
               </a:spcBef>
@@ -2731,7 +2816,7 @@
               <a:buChar char="■"/>
               <a:defRPr sz="1200"/>
             </a:lvl6pPr>
-            <a:lvl7pPr indent="-304800" lvl="6" marL="3200400">
+            <a:lvl7pPr marL="3200400" lvl="6" indent="-304800">
               <a:spcBef>
                 <a:spcPts val="0"/>
               </a:spcBef>
@@ -2742,7 +2827,7 @@
               <a:buChar char="●"/>
               <a:defRPr sz="1200"/>
             </a:lvl7pPr>
-            <a:lvl8pPr indent="-304800" lvl="7" marL="3657600">
+            <a:lvl8pPr marL="3657600" lvl="7" indent="-304800">
               <a:spcBef>
                 <a:spcPts val="0"/>
               </a:spcBef>
@@ -2753,7 +2838,7 @@
               <a:buChar char="○"/>
               <a:defRPr sz="1200"/>
             </a:lvl8pPr>
-            <a:lvl9pPr indent="-304800" lvl="8" marL="4114800">
+            <a:lvl9pPr marL="4114800" lvl="8" indent="-304800">
               <a:spcBef>
                 <a:spcPts val="0"/>
               </a:spcBef>
@@ -2765,15 +2850,19 @@
               <a:defRPr sz="1200"/>
             </a:lvl9pPr>
           </a:lstStyle>
-          <a:p/>
+          <a:p>
+            <a:endParaRPr/>
+          </a:p>
         </p:txBody>
       </p:sp>
       <p:sp>
         <p:nvSpPr>
           <p:cNvPr id="23" name="Google Shape;23;p5"/>
-          <p:cNvSpPr txBox="1"/>
+          <p:cNvSpPr txBox="1">
+            <a:spLocks noGrp="1"/>
+          </p:cNvSpPr>
           <p:nvPr>
-            <p:ph idx="2" type="body"/>
+            <p:ph type="body" idx="2"/>
           </p:nvPr>
         </p:nvSpPr>
         <p:spPr>
@@ -2786,11 +2875,11 @@
           </a:prstGeom>
         </p:spPr>
         <p:txBody>
-          <a:bodyPr anchorCtr="0" anchor="t" bIns="91425" lIns="91425" spcFirstLastPara="1" rIns="91425" wrap="square" tIns="91425">
+          <a:bodyPr spcFirstLastPara="1" wrap="square" lIns="91425" tIns="91425" rIns="91425" bIns="91425" anchor="t" anchorCtr="0">
             <a:normAutofit/>
           </a:bodyPr>
           <a:lstStyle>
-            <a:lvl1pPr indent="-317500" lvl="0" marL="457200">
+            <a:lvl1pPr marL="457200" lvl="0" indent="-317500">
               <a:spcBef>
                 <a:spcPts val="0"/>
               </a:spcBef>
@@ -2801,7 +2890,7 @@
               <a:buChar char="●"/>
               <a:defRPr sz="1400"/>
             </a:lvl1pPr>
-            <a:lvl2pPr indent="-304800" lvl="1" marL="914400">
+            <a:lvl2pPr marL="914400" lvl="1" indent="-304800">
               <a:spcBef>
                 <a:spcPts val="0"/>
               </a:spcBef>
@@ -2812,7 +2901,7 @@
               <a:buChar char="○"/>
               <a:defRPr sz="1200"/>
             </a:lvl2pPr>
-            <a:lvl3pPr indent="-304800" lvl="2" marL="1371600">
+            <a:lvl3pPr marL="1371600" lvl="2" indent="-304800">
               <a:spcBef>
                 <a:spcPts val="0"/>
               </a:spcBef>
@@ -2823,7 +2912,7 @@
               <a:buChar char="■"/>
               <a:defRPr sz="1200"/>
             </a:lvl3pPr>
-            <a:lvl4pPr indent="-304800" lvl="3" marL="1828800">
+            <a:lvl4pPr marL="1828800" lvl="3" indent="-304800">
               <a:spcBef>
                 <a:spcPts val="0"/>
               </a:spcBef>
@@ -2834,7 +2923,7 @@
               <a:buChar char="●"/>
               <a:defRPr sz="1200"/>
             </a:lvl4pPr>
-            <a:lvl5pPr indent="-304800" lvl="4" marL="2286000">
+            <a:lvl5pPr marL="2286000" lvl="4" indent="-304800">
               <a:spcBef>
                 <a:spcPts val="0"/>
               </a:spcBef>
@@ -2845,7 +2934,7 @@
               <a:buChar char="○"/>
               <a:defRPr sz="1200"/>
             </a:lvl5pPr>
-            <a:lvl6pPr indent="-304800" lvl="5" marL="2743200">
+            <a:lvl6pPr marL="2743200" lvl="5" indent="-304800">
               <a:spcBef>
                 <a:spcPts val="0"/>
               </a:spcBef>
@@ -2856,7 +2945,7 @@
               <a:buChar char="■"/>
               <a:defRPr sz="1200"/>
             </a:lvl6pPr>
-            <a:lvl7pPr indent="-304800" lvl="6" marL="3200400">
+            <a:lvl7pPr marL="3200400" lvl="6" indent="-304800">
               <a:spcBef>
                 <a:spcPts val="0"/>
               </a:spcBef>
@@ -2867,7 +2956,7 @@
               <a:buChar char="●"/>
               <a:defRPr sz="1200"/>
             </a:lvl7pPr>
-            <a:lvl8pPr indent="-304800" lvl="7" marL="3657600">
+            <a:lvl8pPr marL="3657600" lvl="7" indent="-304800">
               <a:spcBef>
                 <a:spcPts val="0"/>
               </a:spcBef>
@@ -2878,7 +2967,7 @@
               <a:buChar char="○"/>
               <a:defRPr sz="1200"/>
             </a:lvl8pPr>
-            <a:lvl9pPr indent="-304800" lvl="8" marL="4114800">
+            <a:lvl9pPr marL="4114800" lvl="8" indent="-304800">
               <a:spcBef>
                 <a:spcPts val="0"/>
               </a:spcBef>
@@ -2890,15 +2979,19 @@
               <a:defRPr sz="1200"/>
             </a:lvl9pPr>
           </a:lstStyle>
-          <a:p/>
+          <a:p>
+            <a:endParaRPr/>
+          </a:p>
         </p:txBody>
       </p:sp>
       <p:sp>
         <p:nvSpPr>
           <p:cNvPr id="24" name="Google Shape;24;p5"/>
-          <p:cNvSpPr txBox="1"/>
+          <p:cNvSpPr txBox="1">
+            <a:spLocks noGrp="1"/>
+          </p:cNvSpPr>
           <p:nvPr>
-            <p:ph idx="12" type="sldNum"/>
+            <p:ph type="sldNum" idx="12"/>
           </p:nvPr>
         </p:nvSpPr>
         <p:spPr>
@@ -2911,7 +3004,7 @@
           </a:prstGeom>
         </p:spPr>
         <p:txBody>
-          <a:bodyPr anchorCtr="0" anchor="ctr" bIns="91425" lIns="91425" spcFirstLastPara="1" rIns="91425" wrap="square" tIns="91425">
+          <a:bodyPr spcFirstLastPara="1" wrap="square" lIns="91425" tIns="91425" rIns="91425" bIns="91425" anchor="ctr" anchorCtr="0">
             <a:normAutofit/>
           </a:bodyPr>
           <a:lstStyle>
@@ -2953,7 +3046,7 @@
             </a:lvl9pPr>
           </a:lstStyle>
           <a:p>
-            <a:pPr indent="0" lvl="0" marL="0" rtl="0" algn="r">
+            <a:pPr marL="0" lvl="0" indent="0" algn="r" rtl="0">
               <a:spcBef>
                 <a:spcPts val="0"/>
               </a:spcBef>
@@ -2979,11 +3072,11 @@
 </file>
 
 <file path=ppt/slideLayouts/slideLayout5.xml><?xml version="1.0" encoding="utf-8"?>
-<p:sldLayout xmlns:a="http://schemas.openxmlformats.org/drawingml/2006/main" xmlns:r="http://schemas.openxmlformats.org/officeDocument/2006/relationships" xmlns:mc="http://schemas.openxmlformats.org/markup-compatibility/2006" xmlns:mv="urn:schemas-microsoft-com:mac:vml" xmlns:p="http://schemas.openxmlformats.org/presentationml/2006/main" xmlns:c="http://schemas.openxmlformats.org/drawingml/2006/chart" xmlns:dgm="http://schemas.openxmlformats.org/drawingml/2006/diagram" xmlns:o="urn:schemas-microsoft-com:office:office" xmlns:v="urn:schemas-microsoft-com:vml" xmlns:pvml="urn:schemas-microsoft-com:office:powerpoint" xmlns:com="http://schemas.openxmlformats.org/drawingml/2006/compatibility" xmlns:p14="http://schemas.microsoft.com/office/powerpoint/2010/main" xmlns:p15="http://schemas.microsoft.com/office/powerpoint/2012/main" xmlns:ahyp="http://schemas.microsoft.com/office/drawing/2018/hyperlinkcolor" matchingName="Title only" type="titleOnly">
+<p:sldLayout xmlns:a="http://schemas.openxmlformats.org/drawingml/2006/main" xmlns:r="http://schemas.openxmlformats.org/officeDocument/2006/relationships" xmlns:p="http://schemas.openxmlformats.org/presentationml/2006/main" matchingName="Title only" type="titleOnly">
   <p:cSld name="TITLE_ONLY">
     <p:spTree>
       <p:nvGrpSpPr>
-        <p:cNvPr id="25" name="Shape 25"/>
+        <p:cNvPr id="1" name="Shape 25"/>
         <p:cNvGrpSpPr/>
         <p:nvPr/>
       </p:nvGrpSpPr>
@@ -2998,7 +3091,9 @@
       <p:sp>
         <p:nvSpPr>
           <p:cNvPr id="26" name="Google Shape;26;p6"/>
-          <p:cNvSpPr txBox="1"/>
+          <p:cNvSpPr txBox="1">
+            <a:spLocks noGrp="1"/>
+          </p:cNvSpPr>
           <p:nvPr>
             <p:ph type="title"/>
           </p:nvPr>
@@ -3013,7 +3108,7 @@
           </a:prstGeom>
         </p:spPr>
         <p:txBody>
-          <a:bodyPr anchorCtr="0" anchor="t" bIns="91425" lIns="91425" spcFirstLastPara="1" rIns="91425" wrap="square" tIns="91425">
+          <a:bodyPr spcFirstLastPara="1" wrap="square" lIns="91425" tIns="91425" rIns="91425" bIns="91425" anchor="t" anchorCtr="0">
             <a:normAutofit/>
           </a:bodyPr>
           <a:lstStyle>
@@ -3117,15 +3212,19 @@
               <a:defRPr/>
             </a:lvl9pPr>
           </a:lstStyle>
-          <a:p/>
+          <a:p>
+            <a:endParaRPr/>
+          </a:p>
         </p:txBody>
       </p:sp>
       <p:sp>
         <p:nvSpPr>
           <p:cNvPr id="27" name="Google Shape;27;p6"/>
-          <p:cNvSpPr txBox="1"/>
+          <p:cNvSpPr txBox="1">
+            <a:spLocks noGrp="1"/>
+          </p:cNvSpPr>
           <p:nvPr>
-            <p:ph idx="12" type="sldNum"/>
+            <p:ph type="sldNum" idx="12"/>
           </p:nvPr>
         </p:nvSpPr>
         <p:spPr>
@@ -3138,7 +3237,7 @@
           </a:prstGeom>
         </p:spPr>
         <p:txBody>
-          <a:bodyPr anchorCtr="0" anchor="ctr" bIns="91425" lIns="91425" spcFirstLastPara="1" rIns="91425" wrap="square" tIns="91425">
+          <a:bodyPr spcFirstLastPara="1" wrap="square" lIns="91425" tIns="91425" rIns="91425" bIns="91425" anchor="ctr" anchorCtr="0">
             <a:normAutofit/>
           </a:bodyPr>
           <a:lstStyle>
@@ -3180,7 +3279,7 @@
             </a:lvl9pPr>
           </a:lstStyle>
           <a:p>
-            <a:pPr indent="0" lvl="0" marL="0" rtl="0" algn="r">
+            <a:pPr marL="0" lvl="0" indent="0" algn="r" rtl="0">
               <a:spcBef>
                 <a:spcPts val="0"/>
               </a:spcBef>
@@ -3206,11 +3305,11 @@
 </file>
 
 <file path=ppt/slideLayouts/slideLayout6.xml><?xml version="1.0" encoding="utf-8"?>
-<p:sldLayout xmlns:a="http://schemas.openxmlformats.org/drawingml/2006/main" xmlns:r="http://schemas.openxmlformats.org/officeDocument/2006/relationships" xmlns:mc="http://schemas.openxmlformats.org/markup-compatibility/2006" xmlns:mv="urn:schemas-microsoft-com:mac:vml" xmlns:p="http://schemas.openxmlformats.org/presentationml/2006/main" xmlns:c="http://schemas.openxmlformats.org/drawingml/2006/chart" xmlns:dgm="http://schemas.openxmlformats.org/drawingml/2006/diagram" xmlns:o="urn:schemas-microsoft-com:office:office" xmlns:v="urn:schemas-microsoft-com:vml" xmlns:pvml="urn:schemas-microsoft-com:office:powerpoint" xmlns:com="http://schemas.openxmlformats.org/drawingml/2006/compatibility" xmlns:p14="http://schemas.microsoft.com/office/powerpoint/2010/main" xmlns:p15="http://schemas.microsoft.com/office/powerpoint/2012/main" xmlns:ahyp="http://schemas.microsoft.com/office/drawing/2018/hyperlinkcolor" matchingName="One column text">
+<p:sldLayout xmlns:a="http://schemas.openxmlformats.org/drawingml/2006/main" xmlns:r="http://schemas.openxmlformats.org/officeDocument/2006/relationships" xmlns:p="http://schemas.openxmlformats.org/presentationml/2006/main" matchingName="One column text">
   <p:cSld name="ONE_COLUMN_TEXT">
     <p:spTree>
       <p:nvGrpSpPr>
-        <p:cNvPr id="28" name="Shape 28"/>
+        <p:cNvPr id="1" name="Shape 28"/>
         <p:cNvGrpSpPr/>
         <p:nvPr/>
       </p:nvGrpSpPr>
@@ -3225,7 +3324,9 @@
       <p:sp>
         <p:nvSpPr>
           <p:cNvPr id="29" name="Google Shape;29;p7"/>
-          <p:cNvSpPr txBox="1"/>
+          <p:cNvSpPr txBox="1">
+            <a:spLocks noGrp="1"/>
+          </p:cNvSpPr>
           <p:nvPr>
             <p:ph type="title"/>
           </p:nvPr>
@@ -3240,7 +3341,7 @@
           </a:prstGeom>
         </p:spPr>
         <p:txBody>
-          <a:bodyPr anchorCtr="0" anchor="b" bIns="91425" lIns="91425" spcFirstLastPara="1" rIns="91425" wrap="square" tIns="91425">
+          <a:bodyPr spcFirstLastPara="1" wrap="square" lIns="91425" tIns="91425" rIns="91425" bIns="91425" anchor="b" anchorCtr="0">
             <a:normAutofit/>
           </a:bodyPr>
           <a:lstStyle>
@@ -3344,15 +3445,19 @@
               <a:defRPr sz="2400"/>
             </a:lvl9pPr>
           </a:lstStyle>
-          <a:p/>
+          <a:p>
+            <a:endParaRPr/>
+          </a:p>
         </p:txBody>
       </p:sp>
       <p:sp>
         <p:nvSpPr>
           <p:cNvPr id="30" name="Google Shape;30;p7"/>
-          <p:cNvSpPr txBox="1"/>
+          <p:cNvSpPr txBox="1">
+            <a:spLocks noGrp="1"/>
+          </p:cNvSpPr>
           <p:nvPr>
-            <p:ph idx="1" type="body"/>
+            <p:ph type="body" idx="1"/>
           </p:nvPr>
         </p:nvSpPr>
         <p:spPr>
@@ -3365,11 +3470,11 @@
           </a:prstGeom>
         </p:spPr>
         <p:txBody>
-          <a:bodyPr anchorCtr="0" anchor="t" bIns="91425" lIns="91425" spcFirstLastPara="1" rIns="91425" wrap="square" tIns="91425">
+          <a:bodyPr spcFirstLastPara="1" wrap="square" lIns="91425" tIns="91425" rIns="91425" bIns="91425" anchor="t" anchorCtr="0">
             <a:normAutofit/>
           </a:bodyPr>
           <a:lstStyle>
-            <a:lvl1pPr indent="-304800" lvl="0" marL="457200">
+            <a:lvl1pPr marL="457200" lvl="0" indent="-304800">
               <a:spcBef>
                 <a:spcPts val="0"/>
               </a:spcBef>
@@ -3380,7 +3485,7 @@
               <a:buChar char="●"/>
               <a:defRPr sz="1200"/>
             </a:lvl1pPr>
-            <a:lvl2pPr indent="-304800" lvl="1" marL="914400">
+            <a:lvl2pPr marL="914400" lvl="1" indent="-304800">
               <a:spcBef>
                 <a:spcPts val="0"/>
               </a:spcBef>
@@ -3391,7 +3496,7 @@
               <a:buChar char="○"/>
               <a:defRPr sz="1200"/>
             </a:lvl2pPr>
-            <a:lvl3pPr indent="-304800" lvl="2" marL="1371600">
+            <a:lvl3pPr marL="1371600" lvl="2" indent="-304800">
               <a:spcBef>
                 <a:spcPts val="0"/>
               </a:spcBef>
@@ -3402,7 +3507,7 @@
               <a:buChar char="■"/>
               <a:defRPr sz="1200"/>
             </a:lvl3pPr>
-            <a:lvl4pPr indent="-304800" lvl="3" marL="1828800">
+            <a:lvl4pPr marL="1828800" lvl="3" indent="-304800">
               <a:spcBef>
                 <a:spcPts val="0"/>
               </a:spcBef>
@@ -3413,7 +3518,7 @@
               <a:buChar char="●"/>
               <a:defRPr sz="1200"/>
             </a:lvl4pPr>
-            <a:lvl5pPr indent="-304800" lvl="4" marL="2286000">
+            <a:lvl5pPr marL="2286000" lvl="4" indent="-304800">
               <a:spcBef>
                 <a:spcPts val="0"/>
               </a:spcBef>
@@ -3424,7 +3529,7 @@
               <a:buChar char="○"/>
               <a:defRPr sz="1200"/>
             </a:lvl5pPr>
-            <a:lvl6pPr indent="-304800" lvl="5" marL="2743200">
+            <a:lvl6pPr marL="2743200" lvl="5" indent="-304800">
               <a:spcBef>
                 <a:spcPts val="0"/>
               </a:spcBef>
@@ -3435,7 +3540,7 @@
               <a:buChar char="■"/>
               <a:defRPr sz="1200"/>
             </a:lvl6pPr>
-            <a:lvl7pPr indent="-304800" lvl="6" marL="3200400">
+            <a:lvl7pPr marL="3200400" lvl="6" indent="-304800">
               <a:spcBef>
                 <a:spcPts val="0"/>
               </a:spcBef>
@@ -3446,7 +3551,7 @@
               <a:buChar char="●"/>
               <a:defRPr sz="1200"/>
             </a:lvl7pPr>
-            <a:lvl8pPr indent="-304800" lvl="7" marL="3657600">
+            <a:lvl8pPr marL="3657600" lvl="7" indent="-304800">
               <a:spcBef>
                 <a:spcPts val="0"/>
               </a:spcBef>
@@ -3457,7 +3562,7 @@
               <a:buChar char="○"/>
               <a:defRPr sz="1200"/>
             </a:lvl8pPr>
-            <a:lvl9pPr indent="-304800" lvl="8" marL="4114800">
+            <a:lvl9pPr marL="4114800" lvl="8" indent="-304800">
               <a:spcBef>
                 <a:spcPts val="0"/>
               </a:spcBef>
@@ -3469,15 +3574,19 @@
               <a:defRPr sz="1200"/>
             </a:lvl9pPr>
           </a:lstStyle>
-          <a:p/>
+          <a:p>
+            <a:endParaRPr/>
+          </a:p>
         </p:txBody>
       </p:sp>
       <p:sp>
         <p:nvSpPr>
           <p:cNvPr id="31" name="Google Shape;31;p7"/>
-          <p:cNvSpPr txBox="1"/>
+          <p:cNvSpPr txBox="1">
+            <a:spLocks noGrp="1"/>
+          </p:cNvSpPr>
           <p:nvPr>
-            <p:ph idx="12" type="sldNum"/>
+            <p:ph type="sldNum" idx="12"/>
           </p:nvPr>
         </p:nvSpPr>
         <p:spPr>
@@ -3490,7 +3599,7 @@
           </a:prstGeom>
         </p:spPr>
         <p:txBody>
-          <a:bodyPr anchorCtr="0" anchor="ctr" bIns="91425" lIns="91425" spcFirstLastPara="1" rIns="91425" wrap="square" tIns="91425">
+          <a:bodyPr spcFirstLastPara="1" wrap="square" lIns="91425" tIns="91425" rIns="91425" bIns="91425" anchor="ctr" anchorCtr="0">
             <a:normAutofit/>
           </a:bodyPr>
           <a:lstStyle>
@@ -3532,7 +3641,7 @@
             </a:lvl9pPr>
           </a:lstStyle>
           <a:p>
-            <a:pPr indent="0" lvl="0" marL="0" rtl="0" algn="r">
+            <a:pPr marL="0" lvl="0" indent="0" algn="r" rtl="0">
               <a:spcBef>
                 <a:spcPts val="0"/>
               </a:spcBef>
@@ -3558,11 +3667,11 @@
 </file>
 
 <file path=ppt/slideLayouts/slideLayout7.xml><?xml version="1.0" encoding="utf-8"?>
-<p:sldLayout xmlns:a="http://schemas.openxmlformats.org/drawingml/2006/main" xmlns:r="http://schemas.openxmlformats.org/officeDocument/2006/relationships" xmlns:mc="http://schemas.openxmlformats.org/markup-compatibility/2006" xmlns:mv="urn:schemas-microsoft-com:mac:vml" xmlns:p="http://schemas.openxmlformats.org/presentationml/2006/main" xmlns:c="http://schemas.openxmlformats.org/drawingml/2006/chart" xmlns:dgm="http://schemas.openxmlformats.org/drawingml/2006/diagram" xmlns:o="urn:schemas-microsoft-com:office:office" xmlns:v="urn:schemas-microsoft-com:vml" xmlns:pvml="urn:schemas-microsoft-com:office:powerpoint" xmlns:com="http://schemas.openxmlformats.org/drawingml/2006/compatibility" xmlns:p14="http://schemas.microsoft.com/office/powerpoint/2010/main" xmlns:p15="http://schemas.microsoft.com/office/powerpoint/2012/main" xmlns:ahyp="http://schemas.microsoft.com/office/drawing/2018/hyperlinkcolor" matchingName="Main point">
+<p:sldLayout xmlns:a="http://schemas.openxmlformats.org/drawingml/2006/main" xmlns:r="http://schemas.openxmlformats.org/officeDocument/2006/relationships" xmlns:p="http://schemas.openxmlformats.org/presentationml/2006/main" matchingName="Main point">
   <p:cSld name="MAIN_POINT">
     <p:spTree>
       <p:nvGrpSpPr>
-        <p:cNvPr id="32" name="Shape 32"/>
+        <p:cNvPr id="1" name="Shape 32"/>
         <p:cNvGrpSpPr/>
         <p:nvPr/>
       </p:nvGrpSpPr>
@@ -3577,7 +3686,9 @@
       <p:sp>
         <p:nvSpPr>
           <p:cNvPr id="33" name="Google Shape;33;p8"/>
-          <p:cNvSpPr txBox="1"/>
+          <p:cNvSpPr txBox="1">
+            <a:spLocks noGrp="1"/>
+          </p:cNvSpPr>
           <p:nvPr>
             <p:ph type="title"/>
           </p:nvPr>
@@ -3592,7 +3703,7 @@
           </a:prstGeom>
         </p:spPr>
         <p:txBody>
-          <a:bodyPr anchorCtr="0" anchor="ctr" bIns="91425" lIns="91425" spcFirstLastPara="1" rIns="91425" wrap="square" tIns="91425">
+          <a:bodyPr spcFirstLastPara="1" wrap="square" lIns="91425" tIns="91425" rIns="91425" bIns="91425" anchor="ctr" anchorCtr="0">
             <a:normAutofit/>
           </a:bodyPr>
           <a:lstStyle>
@@ -3696,15 +3807,19 @@
               <a:defRPr sz="4800"/>
             </a:lvl9pPr>
           </a:lstStyle>
-          <a:p/>
+          <a:p>
+            <a:endParaRPr/>
+          </a:p>
         </p:txBody>
       </p:sp>
       <p:sp>
         <p:nvSpPr>
           <p:cNvPr id="34" name="Google Shape;34;p8"/>
-          <p:cNvSpPr txBox="1"/>
+          <p:cNvSpPr txBox="1">
+            <a:spLocks noGrp="1"/>
+          </p:cNvSpPr>
           <p:nvPr>
-            <p:ph idx="12" type="sldNum"/>
+            <p:ph type="sldNum" idx="12"/>
           </p:nvPr>
         </p:nvSpPr>
         <p:spPr>
@@ -3717,7 +3832,7 @@
           </a:prstGeom>
         </p:spPr>
         <p:txBody>
-          <a:bodyPr anchorCtr="0" anchor="ctr" bIns="91425" lIns="91425" spcFirstLastPara="1" rIns="91425" wrap="square" tIns="91425">
+          <a:bodyPr spcFirstLastPara="1" wrap="square" lIns="91425" tIns="91425" rIns="91425" bIns="91425" anchor="ctr" anchorCtr="0">
             <a:normAutofit/>
           </a:bodyPr>
           <a:lstStyle>
@@ -3759,7 +3874,7 @@
             </a:lvl9pPr>
           </a:lstStyle>
           <a:p>
-            <a:pPr indent="0" lvl="0" marL="0" rtl="0" algn="r">
+            <a:pPr marL="0" lvl="0" indent="0" algn="r" rtl="0">
               <a:spcBef>
                 <a:spcPts val="0"/>
               </a:spcBef>
@@ -3785,11 +3900,11 @@
 </file>
 
 <file path=ppt/slideLayouts/slideLayout8.xml><?xml version="1.0" encoding="utf-8"?>
-<p:sldLayout xmlns:a="http://schemas.openxmlformats.org/drawingml/2006/main" xmlns:r="http://schemas.openxmlformats.org/officeDocument/2006/relationships" xmlns:mc="http://schemas.openxmlformats.org/markup-compatibility/2006" xmlns:mv="urn:schemas-microsoft-com:mac:vml" xmlns:p="http://schemas.openxmlformats.org/presentationml/2006/main" xmlns:c="http://schemas.openxmlformats.org/drawingml/2006/chart" xmlns:dgm="http://schemas.openxmlformats.org/drawingml/2006/diagram" xmlns:o="urn:schemas-microsoft-com:office:office" xmlns:v="urn:schemas-microsoft-com:vml" xmlns:pvml="urn:schemas-microsoft-com:office:powerpoint" xmlns:com="http://schemas.openxmlformats.org/drawingml/2006/compatibility" xmlns:p14="http://schemas.microsoft.com/office/powerpoint/2010/main" xmlns:p15="http://schemas.microsoft.com/office/powerpoint/2012/main" xmlns:ahyp="http://schemas.microsoft.com/office/drawing/2018/hyperlinkcolor" matchingName="Section title and description">
+<p:sldLayout xmlns:a="http://schemas.openxmlformats.org/drawingml/2006/main" xmlns:r="http://schemas.openxmlformats.org/officeDocument/2006/relationships" xmlns:p="http://schemas.openxmlformats.org/presentationml/2006/main" matchingName="Section title and description">
   <p:cSld name="SECTION_TITLE_AND_DESCRIPTION">
     <p:spTree>
       <p:nvGrpSpPr>
-        <p:cNvPr id="35" name="Shape 35"/>
+        <p:cNvPr id="1" name="Shape 35"/>
         <p:cNvGrpSpPr/>
         <p:nvPr/>
       </p:nvGrpSpPr>
@@ -3823,12 +3938,12 @@
           </a:ln>
         </p:spPr>
         <p:txBody>
-          <a:bodyPr anchorCtr="0" anchor="ctr" bIns="91425" lIns="91425" spcFirstLastPara="1" rIns="91425" wrap="square" tIns="91425">
+          <a:bodyPr spcFirstLastPara="1" wrap="square" lIns="91425" tIns="91425" rIns="91425" bIns="91425" anchor="ctr" anchorCtr="0">
             <a:noAutofit/>
           </a:bodyPr>
           <a:lstStyle/>
           <a:p>
-            <a:pPr indent="0" lvl="0" marL="0" rtl="0" algn="l">
+            <a:pPr marL="0" lvl="0" indent="0" algn="l" rtl="0">
               <a:spcBef>
                 <a:spcPts val="0"/>
               </a:spcBef>
@@ -3837,9 +3952,6 @@
               </a:spcAft>
               <a:buNone/>
             </a:pPr>
-            <a:r>
-              <a:t/>
-            </a:r>
             <a:endParaRPr/>
           </a:p>
         </p:txBody>
@@ -3847,7 +3959,9 @@
       <p:sp>
         <p:nvSpPr>
           <p:cNvPr id="37" name="Google Shape;37;p9"/>
-          <p:cNvSpPr txBox="1"/>
+          <p:cNvSpPr txBox="1">
+            <a:spLocks noGrp="1"/>
+          </p:cNvSpPr>
           <p:nvPr>
             <p:ph type="title"/>
           </p:nvPr>
@@ -3862,7 +3976,7 @@
           </a:prstGeom>
         </p:spPr>
         <p:txBody>
-          <a:bodyPr anchorCtr="0" anchor="b" bIns="91425" lIns="91425" spcFirstLastPara="1" rIns="91425" wrap="square" tIns="91425">
+          <a:bodyPr spcFirstLastPara="1" wrap="square" lIns="91425" tIns="91425" rIns="91425" bIns="91425" anchor="b" anchorCtr="0">
             <a:normAutofit/>
           </a:bodyPr>
           <a:lstStyle>
@@ -3966,15 +4080,19 @@
               <a:defRPr sz="4200"/>
             </a:lvl9pPr>
           </a:lstStyle>
-          <a:p/>
+          <a:p>
+            <a:endParaRPr/>
+          </a:p>
         </p:txBody>
       </p:sp>
       <p:sp>
         <p:nvSpPr>
           <p:cNvPr id="38" name="Google Shape;38;p9"/>
-          <p:cNvSpPr txBox="1"/>
+          <p:cNvSpPr txBox="1">
+            <a:spLocks noGrp="1"/>
+          </p:cNvSpPr>
           <p:nvPr>
-            <p:ph idx="1" type="subTitle"/>
+            <p:ph type="subTitle" idx="1"/>
           </p:nvPr>
         </p:nvSpPr>
         <p:spPr>
@@ -3987,7 +4105,7 @@
           </a:prstGeom>
         </p:spPr>
         <p:txBody>
-          <a:bodyPr anchorCtr="0" anchor="t" bIns="91425" lIns="91425" spcFirstLastPara="1" rIns="91425" wrap="square" tIns="91425">
+          <a:bodyPr spcFirstLastPara="1" wrap="square" lIns="91425" tIns="91425" rIns="91425" bIns="91425" anchor="t" anchorCtr="0">
             <a:normAutofit/>
           </a:bodyPr>
           <a:lstStyle>
@@ -4118,15 +4236,19 @@
               <a:defRPr sz="2100"/>
             </a:lvl9pPr>
           </a:lstStyle>
-          <a:p/>
+          <a:p>
+            <a:endParaRPr/>
+          </a:p>
         </p:txBody>
       </p:sp>
       <p:sp>
         <p:nvSpPr>
           <p:cNvPr id="39" name="Google Shape;39;p9"/>
-          <p:cNvSpPr txBox="1"/>
+          <p:cNvSpPr txBox="1">
+            <a:spLocks noGrp="1"/>
+          </p:cNvSpPr>
           <p:nvPr>
-            <p:ph idx="2" type="body"/>
+            <p:ph type="body" idx="2"/>
           </p:nvPr>
         </p:nvSpPr>
         <p:spPr>
@@ -4139,11 +4261,11 @@
           </a:prstGeom>
         </p:spPr>
         <p:txBody>
-          <a:bodyPr anchorCtr="0" anchor="ctr" bIns="91425" lIns="91425" spcFirstLastPara="1" rIns="91425" wrap="square" tIns="91425">
+          <a:bodyPr spcFirstLastPara="1" wrap="square" lIns="91425" tIns="91425" rIns="91425" bIns="91425" anchor="ctr" anchorCtr="0">
             <a:normAutofit/>
           </a:bodyPr>
           <a:lstStyle>
-            <a:lvl1pPr indent="-342900" lvl="0" marL="457200">
+            <a:lvl1pPr marL="457200" lvl="0" indent="-342900">
               <a:spcBef>
                 <a:spcPts val="0"/>
               </a:spcBef>
@@ -4154,7 +4276,7 @@
               <a:buChar char="●"/>
               <a:defRPr/>
             </a:lvl1pPr>
-            <a:lvl2pPr indent="-317500" lvl="1" marL="914400">
+            <a:lvl2pPr marL="914400" lvl="1" indent="-317500">
               <a:spcBef>
                 <a:spcPts val="0"/>
               </a:spcBef>
@@ -4165,7 +4287,7 @@
               <a:buChar char="○"/>
               <a:defRPr/>
             </a:lvl2pPr>
-            <a:lvl3pPr indent="-317500" lvl="2" marL="1371600">
+            <a:lvl3pPr marL="1371600" lvl="2" indent="-317500">
               <a:spcBef>
                 <a:spcPts val="0"/>
               </a:spcBef>
@@ -4176,7 +4298,7 @@
               <a:buChar char="■"/>
               <a:defRPr/>
             </a:lvl3pPr>
-            <a:lvl4pPr indent="-317500" lvl="3" marL="1828800">
+            <a:lvl4pPr marL="1828800" lvl="3" indent="-317500">
               <a:spcBef>
                 <a:spcPts val="0"/>
               </a:spcBef>
@@ -4187,7 +4309,7 @@
               <a:buChar char="●"/>
               <a:defRPr/>
             </a:lvl4pPr>
-            <a:lvl5pPr indent="-317500" lvl="4" marL="2286000">
+            <a:lvl5pPr marL="2286000" lvl="4" indent="-317500">
               <a:spcBef>
                 <a:spcPts val="0"/>
               </a:spcBef>
@@ -4198,7 +4320,7 @@
               <a:buChar char="○"/>
               <a:defRPr/>
             </a:lvl5pPr>
-            <a:lvl6pPr indent="-317500" lvl="5" marL="2743200">
+            <a:lvl6pPr marL="2743200" lvl="5" indent="-317500">
               <a:spcBef>
                 <a:spcPts val="0"/>
               </a:spcBef>
@@ -4209,7 +4331,7 @@
               <a:buChar char="■"/>
               <a:defRPr/>
             </a:lvl6pPr>
-            <a:lvl7pPr indent="-317500" lvl="6" marL="3200400">
+            <a:lvl7pPr marL="3200400" lvl="6" indent="-317500">
               <a:spcBef>
                 <a:spcPts val="0"/>
               </a:spcBef>
@@ -4220,7 +4342,7 @@
               <a:buChar char="●"/>
               <a:defRPr/>
             </a:lvl7pPr>
-            <a:lvl8pPr indent="-317500" lvl="7" marL="3657600">
+            <a:lvl8pPr marL="3657600" lvl="7" indent="-317500">
               <a:spcBef>
                 <a:spcPts val="0"/>
               </a:spcBef>
@@ -4231,7 +4353,7 @@
               <a:buChar char="○"/>
               <a:defRPr/>
             </a:lvl8pPr>
-            <a:lvl9pPr indent="-317500" lvl="8" marL="4114800">
+            <a:lvl9pPr marL="4114800" lvl="8" indent="-317500">
               <a:spcBef>
                 <a:spcPts val="0"/>
               </a:spcBef>
@@ -4243,15 +4365,19 @@
               <a:defRPr/>
             </a:lvl9pPr>
           </a:lstStyle>
-          <a:p/>
+          <a:p>
+            <a:endParaRPr/>
+          </a:p>
         </p:txBody>
       </p:sp>
       <p:sp>
         <p:nvSpPr>
           <p:cNvPr id="40" name="Google Shape;40;p9"/>
-          <p:cNvSpPr txBox="1"/>
+          <p:cNvSpPr txBox="1">
+            <a:spLocks noGrp="1"/>
+          </p:cNvSpPr>
           <p:nvPr>
-            <p:ph idx="12" type="sldNum"/>
+            <p:ph type="sldNum" idx="12"/>
           </p:nvPr>
         </p:nvSpPr>
         <p:spPr>
@@ -4264,7 +4390,7 @@
           </a:prstGeom>
         </p:spPr>
         <p:txBody>
-          <a:bodyPr anchorCtr="0" anchor="ctr" bIns="91425" lIns="91425" spcFirstLastPara="1" rIns="91425" wrap="square" tIns="91425">
+          <a:bodyPr spcFirstLastPara="1" wrap="square" lIns="91425" tIns="91425" rIns="91425" bIns="91425" anchor="ctr" anchorCtr="0">
             <a:normAutofit/>
           </a:bodyPr>
           <a:lstStyle>
@@ -4306,7 +4432,7 @@
             </a:lvl9pPr>
           </a:lstStyle>
           <a:p>
-            <a:pPr indent="0" lvl="0" marL="0" rtl="0" algn="r">
+            <a:pPr marL="0" lvl="0" indent="0" algn="r" rtl="0">
               <a:spcBef>
                 <a:spcPts val="0"/>
               </a:spcBef>
@@ -4332,11 +4458,11 @@
 </file>
 
 <file path=ppt/slideLayouts/slideLayout9.xml><?xml version="1.0" encoding="utf-8"?>
-<p:sldLayout xmlns:a="http://schemas.openxmlformats.org/drawingml/2006/main" xmlns:r="http://schemas.openxmlformats.org/officeDocument/2006/relationships" xmlns:mc="http://schemas.openxmlformats.org/markup-compatibility/2006" xmlns:mv="urn:schemas-microsoft-com:mac:vml" xmlns:p="http://schemas.openxmlformats.org/presentationml/2006/main" xmlns:c="http://schemas.openxmlformats.org/drawingml/2006/chart" xmlns:dgm="http://schemas.openxmlformats.org/drawingml/2006/diagram" xmlns:o="urn:schemas-microsoft-com:office:office" xmlns:v="urn:schemas-microsoft-com:vml" xmlns:pvml="urn:schemas-microsoft-com:office:powerpoint" xmlns:com="http://schemas.openxmlformats.org/drawingml/2006/compatibility" xmlns:p14="http://schemas.microsoft.com/office/powerpoint/2010/main" xmlns:p15="http://schemas.microsoft.com/office/powerpoint/2012/main" xmlns:ahyp="http://schemas.microsoft.com/office/drawing/2018/hyperlinkcolor" matchingName="Caption">
+<p:sldLayout xmlns:a="http://schemas.openxmlformats.org/drawingml/2006/main" xmlns:r="http://schemas.openxmlformats.org/officeDocument/2006/relationships" xmlns:p="http://schemas.openxmlformats.org/presentationml/2006/main" matchingName="Caption">
   <p:cSld name="CAPTION_ONLY">
     <p:spTree>
       <p:nvGrpSpPr>
-        <p:cNvPr id="41" name="Shape 41"/>
+        <p:cNvPr id="1" name="Shape 41"/>
         <p:cNvGrpSpPr/>
         <p:nvPr/>
       </p:nvGrpSpPr>
@@ -4351,9 +4477,11 @@
       <p:sp>
         <p:nvSpPr>
           <p:cNvPr id="42" name="Google Shape;42;p10"/>
-          <p:cNvSpPr txBox="1"/>
+          <p:cNvSpPr txBox="1">
+            <a:spLocks noGrp="1"/>
+          </p:cNvSpPr>
           <p:nvPr>
-            <p:ph idx="1" type="body"/>
+            <p:ph type="body" idx="1"/>
           </p:nvPr>
         </p:nvSpPr>
         <p:spPr>
@@ -4366,11 +4494,11 @@
           </a:prstGeom>
         </p:spPr>
         <p:txBody>
-          <a:bodyPr anchorCtr="0" anchor="ctr" bIns="91425" lIns="91425" spcFirstLastPara="1" rIns="91425" wrap="square" tIns="91425">
+          <a:bodyPr spcFirstLastPara="1" wrap="square" lIns="91425" tIns="91425" rIns="91425" bIns="91425" anchor="ctr" anchorCtr="0">
             <a:normAutofit/>
           </a:bodyPr>
           <a:lstStyle>
-            <a:lvl1pPr indent="-228600" lvl="0" marL="457200">
+            <a:lvl1pPr marL="457200" lvl="0" indent="-228600">
               <a:lnSpc>
                 <a:spcPct val="100000"/>
               </a:lnSpc>
@@ -4385,15 +4513,19 @@
               <a:defRPr/>
             </a:lvl1pPr>
           </a:lstStyle>
-          <a:p/>
+          <a:p>
+            <a:endParaRPr/>
+          </a:p>
         </p:txBody>
       </p:sp>
       <p:sp>
         <p:nvSpPr>
           <p:cNvPr id="43" name="Google Shape;43;p10"/>
-          <p:cNvSpPr txBox="1"/>
+          <p:cNvSpPr txBox="1">
+            <a:spLocks noGrp="1"/>
+          </p:cNvSpPr>
           <p:nvPr>
-            <p:ph idx="12" type="sldNum"/>
+            <p:ph type="sldNum" idx="12"/>
           </p:nvPr>
         </p:nvSpPr>
         <p:spPr>
@@ -4406,7 +4538,7 @@
           </a:prstGeom>
         </p:spPr>
         <p:txBody>
-          <a:bodyPr anchorCtr="0" anchor="ctr" bIns="91425" lIns="91425" spcFirstLastPara="1" rIns="91425" wrap="square" tIns="91425">
+          <a:bodyPr spcFirstLastPara="1" wrap="square" lIns="91425" tIns="91425" rIns="91425" bIns="91425" anchor="ctr" anchorCtr="0">
             <a:normAutofit/>
           </a:bodyPr>
           <a:lstStyle>
@@ -4448,7 +4580,7 @@
             </a:lvl9pPr>
           </a:lstStyle>
           <a:p>
-            <a:pPr indent="0" lvl="0" marL="0" rtl="0" algn="r">
+            <a:pPr marL="0" lvl="0" indent="0" algn="r" rtl="0">
               <a:spcBef>
                 <a:spcPts val="0"/>
               </a:spcBef>
@@ -4474,18 +4606,19 @@
 </file>
 
 <file path=ppt/slideMasters/slideMaster1.xml><?xml version="1.0" encoding="utf-8"?>
-<p:sldMaster xmlns:a="http://schemas.openxmlformats.org/drawingml/2006/main" xmlns:r="http://schemas.openxmlformats.org/officeDocument/2006/relationships" xmlns:mc="http://schemas.openxmlformats.org/markup-compatibility/2006" xmlns:mv="urn:schemas-microsoft-com:mac:vml" xmlns:p="http://schemas.openxmlformats.org/presentationml/2006/main" xmlns:c="http://schemas.openxmlformats.org/drawingml/2006/chart" xmlns:dgm="http://schemas.openxmlformats.org/drawingml/2006/diagram" xmlns:o="urn:schemas-microsoft-com:office:office" xmlns:v="urn:schemas-microsoft-com:vml" xmlns:pvml="urn:schemas-microsoft-com:office:powerpoint" xmlns:com="http://schemas.openxmlformats.org/drawingml/2006/compatibility" xmlns:p14="http://schemas.microsoft.com/office/powerpoint/2010/main" xmlns:p15="http://schemas.microsoft.com/office/powerpoint/2012/main" xmlns:ahyp="http://schemas.microsoft.com/office/drawing/2018/hyperlinkcolor">
+<p:sldMaster xmlns:a="http://schemas.openxmlformats.org/drawingml/2006/main" xmlns:r="http://schemas.openxmlformats.org/officeDocument/2006/relationships" xmlns:p="http://schemas.openxmlformats.org/presentationml/2006/main">
   <p:cSld name="simple-light-2">
     <p:bg>
       <p:bgPr>
         <a:solidFill>
           <a:schemeClr val="lt1"/>
         </a:solidFill>
+        <a:effectLst/>
       </p:bgPr>
     </p:bg>
     <p:spTree>
       <p:nvGrpSpPr>
-        <p:cNvPr id="5" name="Shape 5"/>
+        <p:cNvPr id="1" name="Shape 5"/>
         <p:cNvGrpSpPr/>
         <p:nvPr/>
       </p:nvGrpSpPr>
@@ -4500,7 +4633,9 @@
       <p:sp>
         <p:nvSpPr>
           <p:cNvPr id="6" name="Google Shape;6;p1"/>
-          <p:cNvSpPr txBox="1"/>
+          <p:cNvSpPr txBox="1">
+            <a:spLocks noGrp="1"/>
+          </p:cNvSpPr>
           <p:nvPr>
             <p:ph type="title"/>
           </p:nvPr>
@@ -4519,7 +4654,7 @@
           </a:ln>
         </p:spPr>
         <p:txBody>
-          <a:bodyPr anchorCtr="0" anchor="t" bIns="91425" lIns="91425" spcFirstLastPara="1" rIns="91425" wrap="square" tIns="91425">
+          <a:bodyPr spcFirstLastPara="1" wrap="square" lIns="91425" tIns="91425" rIns="91425" bIns="91425" anchor="t" anchorCtr="0">
             <a:normAutofit/>
           </a:bodyPr>
           <a:lstStyle>
@@ -4686,15 +4821,19 @@
               </a:defRPr>
             </a:lvl9pPr>
           </a:lstStyle>
-          <a:p/>
+          <a:p>
+            <a:endParaRPr/>
+          </a:p>
         </p:txBody>
       </p:sp>
       <p:sp>
         <p:nvSpPr>
           <p:cNvPr id="7" name="Google Shape;7;p1"/>
-          <p:cNvSpPr txBox="1"/>
+          <p:cNvSpPr txBox="1">
+            <a:spLocks noGrp="1"/>
+          </p:cNvSpPr>
           <p:nvPr>
-            <p:ph idx="1" type="body"/>
+            <p:ph type="body" idx="1"/>
           </p:nvPr>
         </p:nvSpPr>
         <p:spPr>
@@ -4711,11 +4850,11 @@
           </a:ln>
         </p:spPr>
         <p:txBody>
-          <a:bodyPr anchorCtr="0" anchor="t" bIns="91425" lIns="91425" spcFirstLastPara="1" rIns="91425" wrap="square" tIns="91425">
+          <a:bodyPr spcFirstLastPara="1" wrap="square" lIns="91425" tIns="91425" rIns="91425" bIns="91425" anchor="t" anchorCtr="0">
             <a:normAutofit/>
           </a:bodyPr>
           <a:lstStyle>
-            <a:lvl1pPr indent="-342900" lvl="0" marL="457200">
+            <a:lvl1pPr marL="457200" lvl="0" indent="-342900">
               <a:lnSpc>
                 <a:spcPct val="115000"/>
               </a:lnSpc>
@@ -4736,7 +4875,7 @@
                 </a:solidFill>
               </a:defRPr>
             </a:lvl1pPr>
-            <a:lvl2pPr indent="-317500" lvl="1" marL="914400">
+            <a:lvl2pPr marL="914400" lvl="1" indent="-317500">
               <a:lnSpc>
                 <a:spcPct val="115000"/>
               </a:lnSpc>
@@ -4757,7 +4896,7 @@
                 </a:solidFill>
               </a:defRPr>
             </a:lvl2pPr>
-            <a:lvl3pPr indent="-317500" lvl="2" marL="1371600">
+            <a:lvl3pPr marL="1371600" lvl="2" indent="-317500">
               <a:lnSpc>
                 <a:spcPct val="115000"/>
               </a:lnSpc>
@@ -4778,7 +4917,7 @@
                 </a:solidFill>
               </a:defRPr>
             </a:lvl3pPr>
-            <a:lvl4pPr indent="-317500" lvl="3" marL="1828800">
+            <a:lvl4pPr marL="1828800" lvl="3" indent="-317500">
               <a:lnSpc>
                 <a:spcPct val="115000"/>
               </a:lnSpc>
@@ -4799,7 +4938,7 @@
                 </a:solidFill>
               </a:defRPr>
             </a:lvl4pPr>
-            <a:lvl5pPr indent="-317500" lvl="4" marL="2286000">
+            <a:lvl5pPr marL="2286000" lvl="4" indent="-317500">
               <a:lnSpc>
                 <a:spcPct val="115000"/>
               </a:lnSpc>
@@ -4820,7 +4959,7 @@
                 </a:solidFill>
               </a:defRPr>
             </a:lvl5pPr>
-            <a:lvl6pPr indent="-317500" lvl="5" marL="2743200">
+            <a:lvl6pPr marL="2743200" lvl="5" indent="-317500">
               <a:lnSpc>
                 <a:spcPct val="115000"/>
               </a:lnSpc>
@@ -4841,7 +4980,7 @@
                 </a:solidFill>
               </a:defRPr>
             </a:lvl6pPr>
-            <a:lvl7pPr indent="-317500" lvl="6" marL="3200400">
+            <a:lvl7pPr marL="3200400" lvl="6" indent="-317500">
               <a:lnSpc>
                 <a:spcPct val="115000"/>
               </a:lnSpc>
@@ -4862,7 +5001,7 @@
                 </a:solidFill>
               </a:defRPr>
             </a:lvl7pPr>
-            <a:lvl8pPr indent="-317500" lvl="7" marL="3657600">
+            <a:lvl8pPr marL="3657600" lvl="7" indent="-317500">
               <a:lnSpc>
                 <a:spcPct val="115000"/>
               </a:lnSpc>
@@ -4883,7 +5022,7 @@
                 </a:solidFill>
               </a:defRPr>
             </a:lvl8pPr>
-            <a:lvl9pPr indent="-317500" lvl="8" marL="4114800">
+            <a:lvl9pPr marL="4114800" lvl="8" indent="-317500">
               <a:lnSpc>
                 <a:spcPct val="115000"/>
               </a:lnSpc>
@@ -4905,15 +5044,19 @@
               </a:defRPr>
             </a:lvl9pPr>
           </a:lstStyle>
-          <a:p/>
+          <a:p>
+            <a:endParaRPr/>
+          </a:p>
         </p:txBody>
       </p:sp>
       <p:sp>
         <p:nvSpPr>
           <p:cNvPr id="8" name="Google Shape;8;p1"/>
-          <p:cNvSpPr txBox="1"/>
+          <p:cNvSpPr txBox="1">
+            <a:spLocks noGrp="1"/>
+          </p:cNvSpPr>
           <p:nvPr>
-            <p:ph idx="12" type="sldNum"/>
+            <p:ph type="sldNum" idx="12"/>
           </p:nvPr>
         </p:nvSpPr>
         <p:spPr>
@@ -4930,7 +5073,7 @@
           </a:ln>
         </p:spPr>
         <p:txBody>
-          <a:bodyPr anchorCtr="0" anchor="ctr" bIns="91425" lIns="91425" spcFirstLastPara="1" rIns="91425" wrap="square" tIns="91425">
+          <a:bodyPr spcFirstLastPara="1" wrap="square" lIns="91425" tIns="91425" rIns="91425" bIns="91425" anchor="ctr" anchorCtr="0">
             <a:normAutofit/>
           </a:bodyPr>
           <a:lstStyle>
@@ -5008,7 +5151,7 @@
             </a:lvl9pPr>
           </a:lstStyle>
           <a:p>
-            <a:pPr indent="0" lvl="0" marL="0" rtl="0" algn="r">
+            <a:pPr marL="0" lvl="0" indent="0" algn="r" rtl="0">
               <a:spcBef>
                 <a:spcPts val="0"/>
               </a:spcBef>
@@ -5027,7 +5170,7 @@
       </p:sp>
     </p:spTree>
   </p:cSld>
-  <p:clrMap accent1="accent1" accent2="accent2" accent3="accent3" accent4="accent4" accent5="accent5" accent6="accent6" bg1="lt1" bg2="dk2" tx1="dk1" tx2="lt2" folHlink="folHlink" hlink="hlink"/>
+  <p:clrMap bg1="lt1" tx1="dk1" bg2="dk2" tx2="lt2" accent1="accent1" accent2="accent2" accent3="accent3" accent4="accent4" accent5="accent5" accent6="accent6" hlink="hlink" folHlink="folHlink"/>
   <p:sldLayoutIdLst>
     <p:sldLayoutId id="2147483648" r:id="rId1"/>
     <p:sldLayoutId id="2147483649" r:id="rId2"/>
@@ -5041,10 +5184,10 @@
     <p:sldLayoutId id="2147483657" r:id="rId10"/>
     <p:sldLayoutId id="2147483658" r:id="rId11"/>
   </p:sldLayoutIdLst>
-  <p:hf dt="0" ftr="0" hdr="0" sldNum="0"/>
+  <p:hf sldNum="0" hdr="0" ftr="0" dt="0"/>
   <p:txStyles>
     <p:titleStyle>
-      <a:defPPr lvl="0" marR="0" rtl="0" algn="l">
+      <a:defPPr marR="0" lvl="0" algn="l" rtl="0">
         <a:lnSpc>
           <a:spcPct val="100000"/>
         </a:lnSpc>
@@ -5055,7 +5198,7 @@
           <a:spcPts val="0"/>
         </a:spcAft>
       </a:defPPr>
-      <a:lvl1pPr lvl="0" marR="0" rtl="0" algn="l">
+      <a:lvl1pPr marR="0" lvl="0" algn="l" rtl="0">
         <a:lnSpc>
           <a:spcPct val="100000"/>
         </a:lnSpc>
@@ -5069,7 +5212,7 @@
           <a:srgbClr val="000000"/>
         </a:buClr>
         <a:buFont typeface="Arial"/>
-        <a:defRPr b="0" i="0" sz="1400" u="none" cap="none" strike="noStrike">
+        <a:defRPr sz="1400" b="0" i="0" u="none" strike="noStrike" cap="none">
           <a:solidFill>
             <a:srgbClr val="000000"/>
           </a:solidFill>
@@ -5079,7 +5222,7 @@
           <a:sym typeface="Arial"/>
         </a:defRPr>
       </a:lvl1pPr>
-      <a:lvl2pPr lvl="1" marR="0" rtl="0" algn="l">
+      <a:lvl2pPr marR="0" lvl="1" algn="l" rtl="0">
         <a:lnSpc>
           <a:spcPct val="100000"/>
         </a:lnSpc>
@@ -5093,7 +5236,7 @@
           <a:srgbClr val="000000"/>
         </a:buClr>
         <a:buFont typeface="Arial"/>
-        <a:defRPr b="0" i="0" sz="1400" u="none" cap="none" strike="noStrike">
+        <a:defRPr sz="1400" b="0" i="0" u="none" strike="noStrike" cap="none">
           <a:solidFill>
             <a:srgbClr val="000000"/>
           </a:solidFill>
@@ -5103,7 +5246,7 @@
           <a:sym typeface="Arial"/>
         </a:defRPr>
       </a:lvl2pPr>
-      <a:lvl3pPr lvl="2" marR="0" rtl="0" algn="l">
+      <a:lvl3pPr marR="0" lvl="2" algn="l" rtl="0">
         <a:lnSpc>
           <a:spcPct val="100000"/>
         </a:lnSpc>
@@ -5117,7 +5260,7 @@
           <a:srgbClr val="000000"/>
         </a:buClr>
         <a:buFont typeface="Arial"/>
-        <a:defRPr b="0" i="0" sz="1400" u="none" cap="none" strike="noStrike">
+        <a:defRPr sz="1400" b="0" i="0" u="none" strike="noStrike" cap="none">
           <a:solidFill>
             <a:srgbClr val="000000"/>
           </a:solidFill>
@@ -5127,7 +5270,7 @@
           <a:sym typeface="Arial"/>
         </a:defRPr>
       </a:lvl3pPr>
-      <a:lvl4pPr lvl="3" marR="0" rtl="0" algn="l">
+      <a:lvl4pPr marR="0" lvl="3" algn="l" rtl="0">
         <a:lnSpc>
           <a:spcPct val="100000"/>
         </a:lnSpc>
@@ -5141,7 +5284,7 @@
           <a:srgbClr val="000000"/>
         </a:buClr>
         <a:buFont typeface="Arial"/>
-        <a:defRPr b="0" i="0" sz="1400" u="none" cap="none" strike="noStrike">
+        <a:defRPr sz="1400" b="0" i="0" u="none" strike="noStrike" cap="none">
           <a:solidFill>
             <a:srgbClr val="000000"/>
           </a:solidFill>
@@ -5151,7 +5294,7 @@
           <a:sym typeface="Arial"/>
         </a:defRPr>
       </a:lvl4pPr>
-      <a:lvl5pPr lvl="4" marR="0" rtl="0" algn="l">
+      <a:lvl5pPr marR="0" lvl="4" algn="l" rtl="0">
         <a:lnSpc>
           <a:spcPct val="100000"/>
         </a:lnSpc>
@@ -5165,7 +5308,7 @@
           <a:srgbClr val="000000"/>
         </a:buClr>
         <a:buFont typeface="Arial"/>
-        <a:defRPr b="0" i="0" sz="1400" u="none" cap="none" strike="noStrike">
+        <a:defRPr sz="1400" b="0" i="0" u="none" strike="noStrike" cap="none">
           <a:solidFill>
             <a:srgbClr val="000000"/>
           </a:solidFill>
@@ -5175,7 +5318,7 @@
           <a:sym typeface="Arial"/>
         </a:defRPr>
       </a:lvl5pPr>
-      <a:lvl6pPr lvl="5" marR="0" rtl="0" algn="l">
+      <a:lvl6pPr marR="0" lvl="5" algn="l" rtl="0">
         <a:lnSpc>
           <a:spcPct val="100000"/>
         </a:lnSpc>
@@ -5189,7 +5332,7 @@
           <a:srgbClr val="000000"/>
         </a:buClr>
         <a:buFont typeface="Arial"/>
-        <a:defRPr b="0" i="0" sz="1400" u="none" cap="none" strike="noStrike">
+        <a:defRPr sz="1400" b="0" i="0" u="none" strike="noStrike" cap="none">
           <a:solidFill>
             <a:srgbClr val="000000"/>
           </a:solidFill>
@@ -5199,7 +5342,7 @@
           <a:sym typeface="Arial"/>
         </a:defRPr>
       </a:lvl6pPr>
-      <a:lvl7pPr lvl="6" marR="0" rtl="0" algn="l">
+      <a:lvl7pPr marR="0" lvl="6" algn="l" rtl="0">
         <a:lnSpc>
           <a:spcPct val="100000"/>
         </a:lnSpc>
@@ -5213,7 +5356,7 @@
           <a:srgbClr val="000000"/>
         </a:buClr>
         <a:buFont typeface="Arial"/>
-        <a:defRPr b="0" i="0" sz="1400" u="none" cap="none" strike="noStrike">
+        <a:defRPr sz="1400" b="0" i="0" u="none" strike="noStrike" cap="none">
           <a:solidFill>
             <a:srgbClr val="000000"/>
           </a:solidFill>
@@ -5223,7 +5366,7 @@
           <a:sym typeface="Arial"/>
         </a:defRPr>
       </a:lvl7pPr>
-      <a:lvl8pPr lvl="7" marR="0" rtl="0" algn="l">
+      <a:lvl8pPr marR="0" lvl="7" algn="l" rtl="0">
         <a:lnSpc>
           <a:spcPct val="100000"/>
         </a:lnSpc>
@@ -5237,7 +5380,7 @@
           <a:srgbClr val="000000"/>
         </a:buClr>
         <a:buFont typeface="Arial"/>
-        <a:defRPr b="0" i="0" sz="1400" u="none" cap="none" strike="noStrike">
+        <a:defRPr sz="1400" b="0" i="0" u="none" strike="noStrike" cap="none">
           <a:solidFill>
             <a:srgbClr val="000000"/>
           </a:solidFill>
@@ -5247,7 +5390,7 @@
           <a:sym typeface="Arial"/>
         </a:defRPr>
       </a:lvl8pPr>
-      <a:lvl9pPr lvl="8" marR="0" rtl="0" algn="l">
+      <a:lvl9pPr marR="0" lvl="8" algn="l" rtl="0">
         <a:lnSpc>
           <a:spcPct val="100000"/>
         </a:lnSpc>
@@ -5261,7 +5404,7 @@
           <a:srgbClr val="000000"/>
         </a:buClr>
         <a:buFont typeface="Arial"/>
-        <a:defRPr b="0" i="0" sz="1400" u="none" cap="none" strike="noStrike">
+        <a:defRPr sz="1400" b="0" i="0" u="none" strike="noStrike" cap="none">
           <a:solidFill>
             <a:srgbClr val="000000"/>
           </a:solidFill>
@@ -5273,7 +5416,7 @@
       </a:lvl9pPr>
     </p:titleStyle>
     <p:bodyStyle>
-      <a:defPPr lvl="0" marR="0" rtl="0" algn="l">
+      <a:defPPr marR="0" lvl="0" algn="l" rtl="0">
         <a:lnSpc>
           <a:spcPct val="100000"/>
         </a:lnSpc>
@@ -5284,7 +5427,7 @@
           <a:spcPts val="0"/>
         </a:spcAft>
       </a:defPPr>
-      <a:lvl1pPr lvl="0" marR="0" rtl="0" algn="l">
+      <a:lvl1pPr marR="0" lvl="0" algn="l" rtl="0">
         <a:lnSpc>
           <a:spcPct val="100000"/>
         </a:lnSpc>
@@ -5298,7 +5441,7 @@
           <a:srgbClr val="000000"/>
         </a:buClr>
         <a:buFont typeface="Arial"/>
-        <a:defRPr b="0" i="0" sz="1400" u="none" cap="none" strike="noStrike">
+        <a:defRPr sz="1400" b="0" i="0" u="none" strike="noStrike" cap="none">
           <a:solidFill>
             <a:srgbClr val="000000"/>
           </a:solidFill>
@@ -5308,7 +5451,7 @@
           <a:sym typeface="Arial"/>
         </a:defRPr>
       </a:lvl1pPr>
-      <a:lvl2pPr lvl="1" marR="0" rtl="0" algn="l">
+      <a:lvl2pPr marR="0" lvl="1" algn="l" rtl="0">
         <a:lnSpc>
           <a:spcPct val="100000"/>
         </a:lnSpc>
@@ -5322,7 +5465,7 @@
           <a:srgbClr val="000000"/>
         </a:buClr>
         <a:buFont typeface="Arial"/>
-        <a:defRPr b="0" i="0" sz="1400" u="none" cap="none" strike="noStrike">
+        <a:defRPr sz="1400" b="0" i="0" u="none" strike="noStrike" cap="none">
           <a:solidFill>
             <a:srgbClr val="000000"/>
           </a:solidFill>
@@ -5332,7 +5475,7 @@
           <a:sym typeface="Arial"/>
         </a:defRPr>
       </a:lvl2pPr>
-      <a:lvl3pPr lvl="2" marR="0" rtl="0" algn="l">
+      <a:lvl3pPr marR="0" lvl="2" algn="l" rtl="0">
         <a:lnSpc>
           <a:spcPct val="100000"/>
         </a:lnSpc>
@@ -5346,7 +5489,7 @@
           <a:srgbClr val="000000"/>
         </a:buClr>
         <a:buFont typeface="Arial"/>
-        <a:defRPr b="0" i="0" sz="1400" u="none" cap="none" strike="noStrike">
+        <a:defRPr sz="1400" b="0" i="0" u="none" strike="noStrike" cap="none">
           <a:solidFill>
             <a:srgbClr val="000000"/>
           </a:solidFill>
@@ -5356,7 +5499,7 @@
           <a:sym typeface="Arial"/>
         </a:defRPr>
       </a:lvl3pPr>
-      <a:lvl4pPr lvl="3" marR="0" rtl="0" algn="l">
+      <a:lvl4pPr marR="0" lvl="3" algn="l" rtl="0">
         <a:lnSpc>
           <a:spcPct val="100000"/>
         </a:lnSpc>
@@ -5370,7 +5513,7 @@
           <a:srgbClr val="000000"/>
         </a:buClr>
         <a:buFont typeface="Arial"/>
-        <a:defRPr b="0" i="0" sz="1400" u="none" cap="none" strike="noStrike">
+        <a:defRPr sz="1400" b="0" i="0" u="none" strike="noStrike" cap="none">
           <a:solidFill>
             <a:srgbClr val="000000"/>
           </a:solidFill>
@@ -5380,7 +5523,7 @@
           <a:sym typeface="Arial"/>
         </a:defRPr>
       </a:lvl4pPr>
-      <a:lvl5pPr lvl="4" marR="0" rtl="0" algn="l">
+      <a:lvl5pPr marR="0" lvl="4" algn="l" rtl="0">
         <a:lnSpc>
           <a:spcPct val="100000"/>
         </a:lnSpc>
@@ -5394,7 +5537,7 @@
           <a:srgbClr val="000000"/>
         </a:buClr>
         <a:buFont typeface="Arial"/>
-        <a:defRPr b="0" i="0" sz="1400" u="none" cap="none" strike="noStrike">
+        <a:defRPr sz="1400" b="0" i="0" u="none" strike="noStrike" cap="none">
           <a:solidFill>
             <a:srgbClr val="000000"/>
           </a:solidFill>
@@ -5404,7 +5547,7 @@
           <a:sym typeface="Arial"/>
         </a:defRPr>
       </a:lvl5pPr>
-      <a:lvl6pPr lvl="5" marR="0" rtl="0" algn="l">
+      <a:lvl6pPr marR="0" lvl="5" algn="l" rtl="0">
         <a:lnSpc>
           <a:spcPct val="100000"/>
         </a:lnSpc>
@@ -5418,7 +5561,7 @@
           <a:srgbClr val="000000"/>
         </a:buClr>
         <a:buFont typeface="Arial"/>
-        <a:defRPr b="0" i="0" sz="1400" u="none" cap="none" strike="noStrike">
+        <a:defRPr sz="1400" b="0" i="0" u="none" strike="noStrike" cap="none">
           <a:solidFill>
             <a:srgbClr val="000000"/>
           </a:solidFill>
@@ -5428,7 +5571,7 @@
           <a:sym typeface="Arial"/>
         </a:defRPr>
       </a:lvl6pPr>
-      <a:lvl7pPr lvl="6" marR="0" rtl="0" algn="l">
+      <a:lvl7pPr marR="0" lvl="6" algn="l" rtl="0">
         <a:lnSpc>
           <a:spcPct val="100000"/>
         </a:lnSpc>
@@ -5442,7 +5585,7 @@
           <a:srgbClr val="000000"/>
         </a:buClr>
         <a:buFont typeface="Arial"/>
-        <a:defRPr b="0" i="0" sz="1400" u="none" cap="none" strike="noStrike">
+        <a:defRPr sz="1400" b="0" i="0" u="none" strike="noStrike" cap="none">
           <a:solidFill>
             <a:srgbClr val="000000"/>
           </a:solidFill>
@@ -5452,7 +5595,7 @@
           <a:sym typeface="Arial"/>
         </a:defRPr>
       </a:lvl7pPr>
-      <a:lvl8pPr lvl="7" marR="0" rtl="0" algn="l">
+      <a:lvl8pPr marR="0" lvl="7" algn="l" rtl="0">
         <a:lnSpc>
           <a:spcPct val="100000"/>
         </a:lnSpc>
@@ -5466,7 +5609,7 @@
           <a:srgbClr val="000000"/>
         </a:buClr>
         <a:buFont typeface="Arial"/>
-        <a:defRPr b="0" i="0" sz="1400" u="none" cap="none" strike="noStrike">
+        <a:defRPr sz="1400" b="0" i="0" u="none" strike="noStrike" cap="none">
           <a:solidFill>
             <a:srgbClr val="000000"/>
           </a:solidFill>
@@ -5476,7 +5619,7 @@
           <a:sym typeface="Arial"/>
         </a:defRPr>
       </a:lvl8pPr>
-      <a:lvl9pPr lvl="8" marR="0" rtl="0" algn="l">
+      <a:lvl9pPr marR="0" lvl="8" algn="l" rtl="0">
         <a:lnSpc>
           <a:spcPct val="100000"/>
         </a:lnSpc>
@@ -5490,7 +5633,7 @@
           <a:srgbClr val="000000"/>
         </a:buClr>
         <a:buFont typeface="Arial"/>
-        <a:defRPr b="0" i="0" sz="1400" u="none" cap="none" strike="noStrike">
+        <a:defRPr sz="1400" b="0" i="0" u="none" strike="noStrike" cap="none">
           <a:solidFill>
             <a:srgbClr val="000000"/>
           </a:solidFill>
@@ -5502,7 +5645,7 @@
       </a:lvl9pPr>
     </p:bodyStyle>
     <p:otherStyle>
-      <a:defPPr lvl="0" marR="0" rtl="0" algn="l">
+      <a:defPPr marR="0" lvl="0" algn="l" rtl="0">
         <a:lnSpc>
           <a:spcPct val="100000"/>
         </a:lnSpc>
@@ -5513,7 +5656,7 @@
           <a:spcPts val="0"/>
         </a:spcAft>
       </a:defPPr>
-      <a:lvl1pPr lvl="0" marR="0" rtl="0" algn="l">
+      <a:lvl1pPr marR="0" lvl="0" algn="l" rtl="0">
         <a:lnSpc>
           <a:spcPct val="100000"/>
         </a:lnSpc>
@@ -5527,7 +5670,7 @@
           <a:srgbClr val="000000"/>
         </a:buClr>
         <a:buFont typeface="Arial"/>
-        <a:defRPr b="0" i="0" sz="1400" u="none" cap="none" strike="noStrike">
+        <a:defRPr sz="1400" b="0" i="0" u="none" strike="noStrike" cap="none">
           <a:solidFill>
             <a:srgbClr val="000000"/>
           </a:solidFill>
@@ -5537,7 +5680,7 @@
           <a:sym typeface="Arial"/>
         </a:defRPr>
       </a:lvl1pPr>
-      <a:lvl2pPr lvl="1" marR="0" rtl="0" algn="l">
+      <a:lvl2pPr marR="0" lvl="1" algn="l" rtl="0">
         <a:lnSpc>
           <a:spcPct val="100000"/>
         </a:lnSpc>
@@ -5551,7 +5694,7 @@
           <a:srgbClr val="000000"/>
         </a:buClr>
         <a:buFont typeface="Arial"/>
-        <a:defRPr b="0" i="0" sz="1400" u="none" cap="none" strike="noStrike">
+        <a:defRPr sz="1400" b="0" i="0" u="none" strike="noStrike" cap="none">
           <a:solidFill>
             <a:srgbClr val="000000"/>
           </a:solidFill>
@@ -5561,7 +5704,7 @@
           <a:sym typeface="Arial"/>
         </a:defRPr>
       </a:lvl2pPr>
-      <a:lvl3pPr lvl="2" marR="0" rtl="0" algn="l">
+      <a:lvl3pPr marR="0" lvl="2" algn="l" rtl="0">
         <a:lnSpc>
           <a:spcPct val="100000"/>
         </a:lnSpc>
@@ -5575,7 +5718,7 @@
           <a:srgbClr val="000000"/>
         </a:buClr>
         <a:buFont typeface="Arial"/>
-        <a:defRPr b="0" i="0" sz="1400" u="none" cap="none" strike="noStrike">
+        <a:defRPr sz="1400" b="0" i="0" u="none" strike="noStrike" cap="none">
           <a:solidFill>
             <a:srgbClr val="000000"/>
           </a:solidFill>
@@ -5585,7 +5728,7 @@
           <a:sym typeface="Arial"/>
         </a:defRPr>
       </a:lvl3pPr>
-      <a:lvl4pPr lvl="3" marR="0" rtl="0" algn="l">
+      <a:lvl4pPr marR="0" lvl="3" algn="l" rtl="0">
         <a:lnSpc>
           <a:spcPct val="100000"/>
         </a:lnSpc>
@@ -5599,7 +5742,7 @@
           <a:srgbClr val="000000"/>
         </a:buClr>
         <a:buFont typeface="Arial"/>
-        <a:defRPr b="0" i="0" sz="1400" u="none" cap="none" strike="noStrike">
+        <a:defRPr sz="1400" b="0" i="0" u="none" strike="noStrike" cap="none">
           <a:solidFill>
             <a:srgbClr val="000000"/>
           </a:solidFill>
@@ -5609,7 +5752,7 @@
           <a:sym typeface="Arial"/>
         </a:defRPr>
       </a:lvl4pPr>
-      <a:lvl5pPr lvl="4" marR="0" rtl="0" algn="l">
+      <a:lvl5pPr marR="0" lvl="4" algn="l" rtl="0">
         <a:lnSpc>
           <a:spcPct val="100000"/>
         </a:lnSpc>
@@ -5623,7 +5766,7 @@
           <a:srgbClr val="000000"/>
         </a:buClr>
         <a:buFont typeface="Arial"/>
-        <a:defRPr b="0" i="0" sz="1400" u="none" cap="none" strike="noStrike">
+        <a:defRPr sz="1400" b="0" i="0" u="none" strike="noStrike" cap="none">
           <a:solidFill>
             <a:srgbClr val="000000"/>
           </a:solidFill>
@@ -5633,7 +5776,7 @@
           <a:sym typeface="Arial"/>
         </a:defRPr>
       </a:lvl5pPr>
-      <a:lvl6pPr lvl="5" marR="0" rtl="0" algn="l">
+      <a:lvl6pPr marR="0" lvl="5" algn="l" rtl="0">
         <a:lnSpc>
           <a:spcPct val="100000"/>
         </a:lnSpc>
@@ -5647,7 +5790,7 @@
           <a:srgbClr val="000000"/>
         </a:buClr>
         <a:buFont typeface="Arial"/>
-        <a:defRPr b="0" i="0" sz="1400" u="none" cap="none" strike="noStrike">
+        <a:defRPr sz="1400" b="0" i="0" u="none" strike="noStrike" cap="none">
           <a:solidFill>
             <a:srgbClr val="000000"/>
           </a:solidFill>
@@ -5657,7 +5800,7 @@
           <a:sym typeface="Arial"/>
         </a:defRPr>
       </a:lvl6pPr>
-      <a:lvl7pPr lvl="6" marR="0" rtl="0" algn="l">
+      <a:lvl7pPr marR="0" lvl="6" algn="l" rtl="0">
         <a:lnSpc>
           <a:spcPct val="100000"/>
         </a:lnSpc>
@@ -5671,7 +5814,7 @@
           <a:srgbClr val="000000"/>
         </a:buClr>
         <a:buFont typeface="Arial"/>
-        <a:defRPr b="0" i="0" sz="1400" u="none" cap="none" strike="noStrike">
+        <a:defRPr sz="1400" b="0" i="0" u="none" strike="noStrike" cap="none">
           <a:solidFill>
             <a:srgbClr val="000000"/>
           </a:solidFill>
@@ -5681,7 +5824,7 @@
           <a:sym typeface="Arial"/>
         </a:defRPr>
       </a:lvl7pPr>
-      <a:lvl8pPr lvl="7" marR="0" rtl="0" algn="l">
+      <a:lvl8pPr marR="0" lvl="7" algn="l" rtl="0">
         <a:lnSpc>
           <a:spcPct val="100000"/>
         </a:lnSpc>
@@ -5695,7 +5838,7 @@
           <a:srgbClr val="000000"/>
         </a:buClr>
         <a:buFont typeface="Arial"/>
-        <a:defRPr b="0" i="0" sz="1400" u="none" cap="none" strike="noStrike">
+        <a:defRPr sz="1400" b="0" i="0" u="none" strike="noStrike" cap="none">
           <a:solidFill>
             <a:srgbClr val="000000"/>
           </a:solidFill>
@@ -5705,7 +5848,7 @@
           <a:sym typeface="Arial"/>
         </a:defRPr>
       </a:lvl8pPr>
-      <a:lvl9pPr lvl="8" marR="0" rtl="0" algn="l">
+      <a:lvl9pPr marR="0" lvl="8" algn="l" rtl="0">
         <a:lnSpc>
           <a:spcPct val="100000"/>
         </a:lnSpc>
@@ -5719,7 +5862,7 @@
           <a:srgbClr val="000000"/>
         </a:buClr>
         <a:buFont typeface="Arial"/>
-        <a:defRPr b="0" i="0" sz="1400" u="none" cap="none" strike="noStrike">
+        <a:defRPr sz="1400" b="0" i="0" u="none" strike="noStrike" cap="none">
           <a:solidFill>
             <a:srgbClr val="000000"/>
           </a:solidFill>
@@ -5735,11 +5878,11 @@
 </file>
 
 <file path=ppt/slides/slide1.xml><?xml version="1.0" encoding="utf-8"?>
-<p:sld xmlns:a="http://schemas.openxmlformats.org/drawingml/2006/main" xmlns:r="http://schemas.openxmlformats.org/officeDocument/2006/relationships" xmlns:mc="http://schemas.openxmlformats.org/markup-compatibility/2006" xmlns:mv="urn:schemas-microsoft-com:mac:vml" xmlns:p="http://schemas.openxmlformats.org/presentationml/2006/main" xmlns:c="http://schemas.openxmlformats.org/drawingml/2006/chart" xmlns:dgm="http://schemas.openxmlformats.org/drawingml/2006/diagram" xmlns:o="urn:schemas-microsoft-com:office:office" xmlns:v="urn:schemas-microsoft-com:vml" xmlns:pvml="urn:schemas-microsoft-com:office:powerpoint" xmlns:com="http://schemas.openxmlformats.org/drawingml/2006/compatibility" xmlns:p14="http://schemas.microsoft.com/office/powerpoint/2010/main" xmlns:p15="http://schemas.microsoft.com/office/powerpoint/2012/main" xmlns:ahyp="http://schemas.microsoft.com/office/drawing/2018/hyperlinkcolor">
+<p:sld xmlns:a="http://schemas.openxmlformats.org/drawingml/2006/main" xmlns:r="http://schemas.openxmlformats.org/officeDocument/2006/relationships" xmlns:p="http://schemas.openxmlformats.org/presentationml/2006/main">
   <p:cSld>
     <p:spTree>
       <p:nvGrpSpPr>
-        <p:cNvPr id="53" name="Shape 53"/>
+        <p:cNvPr id="1" name="Shape 53"/>
         <p:cNvGrpSpPr/>
         <p:nvPr/>
       </p:nvGrpSpPr>
@@ -5754,7 +5897,9 @@
       <p:sp>
         <p:nvSpPr>
           <p:cNvPr id="54" name="Google Shape;54;p13"/>
-          <p:cNvSpPr txBox="1"/>
+          <p:cNvSpPr txBox="1">
+            <a:spLocks noGrp="1"/>
+          </p:cNvSpPr>
           <p:nvPr>
             <p:ph type="ctrTitle"/>
           </p:nvPr>
@@ -5769,12 +5914,12 @@
           </a:prstGeom>
         </p:spPr>
         <p:txBody>
-          <a:bodyPr anchorCtr="0" anchor="b" bIns="91425" lIns="91425" spcFirstLastPara="1" rIns="91425" wrap="square" tIns="91425">
+          <a:bodyPr spcFirstLastPara="1" wrap="square" lIns="91425" tIns="91425" rIns="91425" bIns="91425" anchor="b" anchorCtr="0">
             <a:normAutofit/>
           </a:bodyPr>
           <a:lstStyle/>
           <a:p>
-            <a:pPr indent="0" lvl="0" marL="0" rtl="0" algn="ctr">
+            <a:pPr marL="0" lvl="0" indent="0" algn="ctr" rtl="0">
               <a:spcBef>
                 <a:spcPts val="0"/>
               </a:spcBef>
@@ -5794,9 +5939,11 @@
       <p:sp>
         <p:nvSpPr>
           <p:cNvPr id="55" name="Google Shape;55;p13"/>
-          <p:cNvSpPr txBox="1"/>
+          <p:cNvSpPr txBox="1">
+            <a:spLocks noGrp="1"/>
+          </p:cNvSpPr>
           <p:nvPr>
-            <p:ph idx="1" type="subTitle"/>
+            <p:ph type="subTitle" idx="1"/>
           </p:nvPr>
         </p:nvSpPr>
         <p:spPr>
@@ -5809,12 +5956,12 @@
           </a:prstGeom>
         </p:spPr>
         <p:txBody>
-          <a:bodyPr anchorCtr="0" anchor="t" bIns="91425" lIns="91425" spcFirstLastPara="1" rIns="91425" wrap="square" tIns="91425">
+          <a:bodyPr spcFirstLastPara="1" wrap="square" lIns="91425" tIns="91425" rIns="91425" bIns="91425" anchor="t" anchorCtr="0">
             <a:normAutofit/>
           </a:bodyPr>
           <a:lstStyle/>
           <a:p>
-            <a:pPr indent="0" lvl="0" marL="0" rtl="0" algn="ctr">
+            <a:pPr marL="0" lvl="0" indent="0" algn="ctr" rtl="0">
               <a:spcBef>
                 <a:spcPts val="0"/>
               </a:spcBef>
@@ -5840,11 +5987,11 @@
 </file>
 
 <file path=ppt/slides/slide2.xml><?xml version="1.0" encoding="utf-8"?>
-<p:sld xmlns:a="http://schemas.openxmlformats.org/drawingml/2006/main" xmlns:r="http://schemas.openxmlformats.org/officeDocument/2006/relationships" xmlns:mc="http://schemas.openxmlformats.org/markup-compatibility/2006" xmlns:mv="urn:schemas-microsoft-com:mac:vml" xmlns:p="http://schemas.openxmlformats.org/presentationml/2006/main" xmlns:c="http://schemas.openxmlformats.org/drawingml/2006/chart" xmlns:dgm="http://schemas.openxmlformats.org/drawingml/2006/diagram" xmlns:o="urn:schemas-microsoft-com:office:office" xmlns:v="urn:schemas-microsoft-com:vml" xmlns:pvml="urn:schemas-microsoft-com:office:powerpoint" xmlns:com="http://schemas.openxmlformats.org/drawingml/2006/compatibility" xmlns:p14="http://schemas.microsoft.com/office/powerpoint/2010/main" xmlns:p15="http://schemas.microsoft.com/office/powerpoint/2012/main" xmlns:ahyp="http://schemas.microsoft.com/office/drawing/2018/hyperlinkcolor">
+<p:sld xmlns:a="http://schemas.openxmlformats.org/drawingml/2006/main" xmlns:r="http://schemas.openxmlformats.org/officeDocument/2006/relationships" xmlns:p="http://schemas.openxmlformats.org/presentationml/2006/main">
   <p:cSld>
     <p:spTree>
       <p:nvGrpSpPr>
-        <p:cNvPr id="59" name="Shape 59"/>
+        <p:cNvPr id="1" name="Shape 59"/>
         <p:cNvGrpSpPr/>
         <p:nvPr/>
       </p:nvGrpSpPr>
@@ -5859,7 +6006,9 @@
       <p:sp>
         <p:nvSpPr>
           <p:cNvPr id="60" name="Google Shape;60;p14"/>
-          <p:cNvSpPr txBox="1"/>
+          <p:cNvSpPr txBox="1">
+            <a:spLocks noGrp="1"/>
+          </p:cNvSpPr>
           <p:nvPr>
             <p:ph type="title"/>
           </p:nvPr>
@@ -5874,12 +6023,12 @@
           </a:prstGeom>
         </p:spPr>
         <p:txBody>
-          <a:bodyPr anchorCtr="0" anchor="t" bIns="91425" lIns="91425" spcFirstLastPara="1" rIns="91425" wrap="square" tIns="91425">
+          <a:bodyPr spcFirstLastPara="1" wrap="square" lIns="91425" tIns="91425" rIns="91425" bIns="91425" anchor="t" anchorCtr="0">
             <a:normAutofit fontScale="90000"/>
           </a:bodyPr>
           <a:lstStyle/>
           <a:p>
-            <a:pPr indent="0" lvl="0" marL="0" rtl="0" algn="l">
+            <a:pPr marL="0" lvl="0" indent="0" algn="l" rtl="0">
               <a:spcBef>
                 <a:spcPts val="0"/>
               </a:spcBef>
@@ -5899,9 +6048,11 @@
       <p:sp>
         <p:nvSpPr>
           <p:cNvPr id="61" name="Google Shape;61;p14"/>
-          <p:cNvSpPr txBox="1"/>
+          <p:cNvSpPr txBox="1">
+            <a:spLocks noGrp="1"/>
+          </p:cNvSpPr>
           <p:nvPr>
-            <p:ph idx="1" type="body"/>
+            <p:ph type="body" idx="1"/>
           </p:nvPr>
         </p:nvSpPr>
         <p:spPr>
@@ -5914,12 +6065,12 @@
           </a:prstGeom>
         </p:spPr>
         <p:txBody>
-          <a:bodyPr anchorCtr="0" anchor="t" bIns="91425" lIns="91425" spcFirstLastPara="1" rIns="91425" wrap="square" tIns="91425">
+          <a:bodyPr spcFirstLastPara="1" wrap="square" lIns="91425" tIns="91425" rIns="91425" bIns="91425" anchor="t" anchorCtr="0">
             <a:normAutofit/>
           </a:bodyPr>
           <a:lstStyle/>
           <a:p>
-            <a:pPr indent="-349250" lvl="0" marL="457200" rtl="0" algn="l">
+            <a:pPr marL="457200" lvl="0" indent="-349250" algn="l" rtl="0">
               <a:spcBef>
                 <a:spcPts val="0"/>
               </a:spcBef>
@@ -5936,7 +6087,7 @@
             <a:endParaRPr sz="1900"/>
           </a:p>
           <a:p>
-            <a:pPr indent="-349250" lvl="0" marL="457200" rtl="0" algn="l">
+            <a:pPr marL="457200" lvl="0" indent="-349250" algn="l" rtl="0">
               <a:spcBef>
                 <a:spcPts val="0"/>
               </a:spcBef>
@@ -5953,7 +6104,7 @@
             <a:endParaRPr sz="1900"/>
           </a:p>
           <a:p>
-            <a:pPr indent="-349250" lvl="0" marL="457200" rtl="0" algn="l">
+            <a:pPr marL="457200" lvl="0" indent="-349250" algn="l" rtl="0">
               <a:spcBef>
                 <a:spcPts val="0"/>
               </a:spcBef>
@@ -5970,7 +6121,7 @@
             <a:endParaRPr sz="1900"/>
           </a:p>
           <a:p>
-            <a:pPr indent="-349250" lvl="0" marL="457200" rtl="0" algn="l">
+            <a:pPr marL="457200" lvl="0" indent="-349250" algn="l" rtl="0">
               <a:spcBef>
                 <a:spcPts val="0"/>
               </a:spcBef>
@@ -5987,7 +6138,7 @@
             <a:endParaRPr sz="1900"/>
           </a:p>
           <a:p>
-            <a:pPr indent="-330200" lvl="1" marL="914400" rtl="0" algn="l">
+            <a:pPr marL="914400" lvl="1" indent="-330200" algn="l" rtl="0">
               <a:spcBef>
                 <a:spcPts val="0"/>
               </a:spcBef>
@@ -6004,7 +6155,7 @@
             <a:endParaRPr sz="1600"/>
           </a:p>
           <a:p>
-            <a:pPr indent="-330200" lvl="1" marL="914400" rtl="0" algn="l">
+            <a:pPr marL="914400" lvl="1" indent="-330200" algn="l" rtl="0">
               <a:spcBef>
                 <a:spcPts val="0"/>
               </a:spcBef>
@@ -6021,7 +6172,7 @@
             <a:endParaRPr sz="1600"/>
           </a:p>
           <a:p>
-            <a:pPr indent="-330200" lvl="1" marL="914400" rtl="0" algn="l">
+            <a:pPr marL="914400" lvl="1" indent="-330200" algn="l" rtl="0">
               <a:spcBef>
                 <a:spcPts val="0"/>
               </a:spcBef>
@@ -6038,7 +6189,7 @@
             <a:endParaRPr sz="1600"/>
           </a:p>
           <a:p>
-            <a:pPr indent="-330200" lvl="1" marL="914400" rtl="0" algn="l">
+            <a:pPr marL="914400" lvl="1" indent="-330200" algn="l" rtl="0">
               <a:spcBef>
                 <a:spcPts val="0"/>
               </a:spcBef>
@@ -6055,7 +6206,7 @@
             <a:endParaRPr sz="1600"/>
           </a:p>
           <a:p>
-            <a:pPr indent="-330200" lvl="1" marL="914400" rtl="0" algn="l">
+            <a:pPr marL="914400" lvl="1" indent="-330200" algn="l" rtl="0">
               <a:spcBef>
                 <a:spcPts val="0"/>
               </a:spcBef>
@@ -6072,7 +6223,7 @@
             <a:endParaRPr sz="1600"/>
           </a:p>
           <a:p>
-            <a:pPr indent="-330200" lvl="1" marL="914400" rtl="0" algn="l">
+            <a:pPr marL="914400" lvl="1" indent="-330200" algn="l" rtl="0">
               <a:spcBef>
                 <a:spcPts val="0"/>
               </a:spcBef>
@@ -6089,7 +6240,7 @@
             <a:endParaRPr sz="1600"/>
           </a:p>
           <a:p>
-            <a:pPr indent="-330200" lvl="1" marL="914400" rtl="0" algn="l">
+            <a:pPr marL="914400" lvl="1" indent="-330200" algn="l" rtl="0">
               <a:spcBef>
                 <a:spcPts val="0"/>
               </a:spcBef>
@@ -6116,11 +6267,11 @@
 </file>
 
 <file path=ppt/slides/slide3.xml><?xml version="1.0" encoding="utf-8"?>
-<p:sld xmlns:a="http://schemas.openxmlformats.org/drawingml/2006/main" xmlns:r="http://schemas.openxmlformats.org/officeDocument/2006/relationships" xmlns:mc="http://schemas.openxmlformats.org/markup-compatibility/2006" xmlns:mv="urn:schemas-microsoft-com:mac:vml" xmlns:p="http://schemas.openxmlformats.org/presentationml/2006/main" xmlns:c="http://schemas.openxmlformats.org/drawingml/2006/chart" xmlns:dgm="http://schemas.openxmlformats.org/drawingml/2006/diagram" xmlns:o="urn:schemas-microsoft-com:office:office" xmlns:v="urn:schemas-microsoft-com:vml" xmlns:pvml="urn:schemas-microsoft-com:office:powerpoint" xmlns:com="http://schemas.openxmlformats.org/drawingml/2006/compatibility" xmlns:p14="http://schemas.microsoft.com/office/powerpoint/2010/main" xmlns:p15="http://schemas.microsoft.com/office/powerpoint/2012/main" xmlns:ahyp="http://schemas.microsoft.com/office/drawing/2018/hyperlinkcolor">
+<p:sld xmlns:a="http://schemas.openxmlformats.org/drawingml/2006/main" xmlns:r="http://schemas.openxmlformats.org/officeDocument/2006/relationships" xmlns:p="http://schemas.openxmlformats.org/presentationml/2006/main">
   <p:cSld>
     <p:spTree>
       <p:nvGrpSpPr>
-        <p:cNvPr id="65" name="Shape 65"/>
+        <p:cNvPr id="1" name="Shape 65"/>
         <p:cNvGrpSpPr/>
         <p:nvPr/>
       </p:nvGrpSpPr>
@@ -6134,30 +6285,32 @@
       </p:grpSpPr>
       <p:pic>
         <p:nvPicPr>
-          <p:cNvPr id="66" name="Google Shape;66;p15"/>
-          <p:cNvPicPr preferRelativeResize="0"/>
+          <p:cNvPr id="2" name="Picture 1">
+            <a:extLst>
+              <a:ext uri="{FF2B5EF4-FFF2-40B4-BE49-F238E27FC236}">
+                <a16:creationId xmlns:a16="http://schemas.microsoft.com/office/drawing/2014/main" id="{784E4478-B607-E193-8008-A6F35B27BCE7}"/>
+              </a:ext>
+            </a:extLst>
+          </p:cNvPr>
+          <p:cNvPicPr>
+            <a:picLocks noChangeAspect="1"/>
+          </p:cNvPicPr>
           <p:nvPr/>
         </p:nvPicPr>
         <p:blipFill>
-          <a:blip r:embed="rId3">
-            <a:alphaModFix/>
-          </a:blip>
+          <a:blip r:embed="rId3"/>
           <a:stretch>
             <a:fillRect/>
           </a:stretch>
         </p:blipFill>
         <p:spPr>
           <a:xfrm>
-            <a:off x="135475" y="152400"/>
-            <a:ext cx="8873059" cy="4991101"/>
+            <a:off x="277231" y="115507"/>
+            <a:ext cx="8589538" cy="4912486"/>
           </a:xfrm>
           <a:prstGeom prst="rect">
             <a:avLst/>
           </a:prstGeom>
-          <a:noFill/>
-          <a:ln>
-            <a:noFill/>
-          </a:ln>
         </p:spPr>
       </p:pic>
     </p:spTree>
@@ -6169,11 +6322,11 @@
 </file>
 
 <file path=ppt/slides/slide4.xml><?xml version="1.0" encoding="utf-8"?>
-<p:sld xmlns:a="http://schemas.openxmlformats.org/drawingml/2006/main" xmlns:r="http://schemas.openxmlformats.org/officeDocument/2006/relationships" xmlns:mc="http://schemas.openxmlformats.org/markup-compatibility/2006" xmlns:mv="urn:schemas-microsoft-com:mac:vml" xmlns:p="http://schemas.openxmlformats.org/presentationml/2006/main" xmlns:c="http://schemas.openxmlformats.org/drawingml/2006/chart" xmlns:dgm="http://schemas.openxmlformats.org/drawingml/2006/diagram" xmlns:o="urn:schemas-microsoft-com:office:office" xmlns:v="urn:schemas-microsoft-com:vml" xmlns:pvml="urn:schemas-microsoft-com:office:powerpoint" xmlns:com="http://schemas.openxmlformats.org/drawingml/2006/compatibility" xmlns:p14="http://schemas.microsoft.com/office/powerpoint/2010/main" xmlns:p15="http://schemas.microsoft.com/office/powerpoint/2012/main" xmlns:ahyp="http://schemas.microsoft.com/office/drawing/2018/hyperlinkcolor">
+<p:sld xmlns:a="http://schemas.openxmlformats.org/drawingml/2006/main" xmlns:r="http://schemas.openxmlformats.org/officeDocument/2006/relationships" xmlns:p="http://schemas.openxmlformats.org/presentationml/2006/main">
   <p:cSld>
     <p:spTree>
       <p:nvGrpSpPr>
-        <p:cNvPr id="70" name="Shape 70"/>
+        <p:cNvPr id="1" name="Shape 70"/>
         <p:cNvGrpSpPr/>
         <p:nvPr/>
       </p:nvGrpSpPr>
@@ -6187,30 +6340,32 @@
       </p:grpSpPr>
       <p:pic>
         <p:nvPicPr>
-          <p:cNvPr id="71" name="Google Shape;71;p16"/>
-          <p:cNvPicPr preferRelativeResize="0"/>
+          <p:cNvPr id="3" name="Picture 2" descr="A graph of green rectangles with black text">
+            <a:extLst>
+              <a:ext uri="{FF2B5EF4-FFF2-40B4-BE49-F238E27FC236}">
+                <a16:creationId xmlns:a16="http://schemas.microsoft.com/office/drawing/2014/main" id="{16DD807F-1DE8-220C-FE73-F6AB2C08F579}"/>
+              </a:ext>
+            </a:extLst>
+          </p:cNvPr>
+          <p:cNvPicPr>
+            <a:picLocks noChangeAspect="1"/>
+          </p:cNvPicPr>
           <p:nvPr/>
         </p:nvPicPr>
         <p:blipFill>
-          <a:blip r:embed="rId3">
-            <a:alphaModFix/>
-          </a:blip>
+          <a:blip r:embed="rId3"/>
           <a:stretch>
             <a:fillRect/>
           </a:stretch>
         </p:blipFill>
         <p:spPr>
           <a:xfrm>
-            <a:off x="135475" y="152400"/>
-            <a:ext cx="8873059" cy="4991101"/>
+            <a:off x="151141" y="178300"/>
+            <a:ext cx="8836994" cy="4966379"/>
           </a:xfrm>
           <a:prstGeom prst="rect">
             <a:avLst/>
           </a:prstGeom>
-          <a:noFill/>
-          <a:ln>
-            <a:noFill/>
-          </a:ln>
         </p:spPr>
       </p:pic>
     </p:spTree>
@@ -6222,7 +6377,288 @@
 </file>
 
 <file path=ppt/theme/theme1.xml><?xml version="1.0" encoding="utf-8"?>
-<a:theme xmlns:a="http://schemas.openxmlformats.org/drawingml/2006/main" xmlns:r="http://schemas.openxmlformats.org/officeDocument/2006/relationships">
+<a:theme xmlns:a="http://schemas.openxmlformats.org/drawingml/2006/main" name="Simple Light">
+  <a:themeElements>
+    <a:clrScheme name="Simple Light">
+      <a:dk1>
+        <a:srgbClr val="000000"/>
+      </a:dk1>
+      <a:lt1>
+        <a:srgbClr val="FFFFFF"/>
+      </a:lt1>
+      <a:dk2>
+        <a:srgbClr val="595959"/>
+      </a:dk2>
+      <a:lt2>
+        <a:srgbClr val="EEEEEE"/>
+      </a:lt2>
+      <a:accent1>
+        <a:srgbClr val="4285F4"/>
+      </a:accent1>
+      <a:accent2>
+        <a:srgbClr val="212121"/>
+      </a:accent2>
+      <a:accent3>
+        <a:srgbClr val="78909C"/>
+      </a:accent3>
+      <a:accent4>
+        <a:srgbClr val="FFAB40"/>
+      </a:accent4>
+      <a:accent5>
+        <a:srgbClr val="0097A7"/>
+      </a:accent5>
+      <a:accent6>
+        <a:srgbClr val="EEFF41"/>
+      </a:accent6>
+      <a:hlink>
+        <a:srgbClr val="0097A7"/>
+      </a:hlink>
+      <a:folHlink>
+        <a:srgbClr val="0097A7"/>
+      </a:folHlink>
+    </a:clrScheme>
+    <a:fontScheme name="Office">
+      <a:majorFont>
+        <a:latin typeface="Arial"/>
+        <a:ea typeface=""/>
+        <a:cs typeface=""/>
+        <a:font script="Jpan" typeface="ＭＳ Ｐゴシック"/>
+        <a:font script="Hang" typeface="맑은 고딕"/>
+        <a:font script="Hans" typeface="宋体"/>
+        <a:font script="Hant" typeface="新細明體"/>
+        <a:font script="Arab" typeface="Times New Roman"/>
+        <a:font script="Hebr" typeface="Times New Roman"/>
+        <a:font script="Thai" typeface="Angsana New"/>
+        <a:font script="Ethi" typeface="Nyala"/>
+        <a:font script="Beng" typeface="Vrinda"/>
+        <a:font script="Gujr" typeface="Shruti"/>
+        <a:font script="Khmr" typeface="MoolBoran"/>
+        <a:font script="Knda" typeface="Tunga"/>
+        <a:font script="Guru" typeface="Raavi"/>
+        <a:font script="Cans" typeface="Euphemia"/>
+        <a:font script="Cher" typeface="Plantagenet Cherokee"/>
+        <a:font script="Yiii" typeface="Microsoft Yi Baiti"/>
+        <a:font script="Tibt" typeface="Microsoft Himalaya"/>
+        <a:font script="Thaa" typeface="MV Boli"/>
+        <a:font script="Deva" typeface="Mangal"/>
+        <a:font script="Telu" typeface="Gautami"/>
+        <a:font script="Taml" typeface="Latha"/>
+        <a:font script="Syrc" typeface="Estrangelo Edessa"/>
+        <a:font script="Orya" typeface="Kalinga"/>
+        <a:font script="Mlym" typeface="Kartika"/>
+        <a:font script="Laoo" typeface="DokChampa"/>
+        <a:font script="Sinh" typeface="Iskoola Pota"/>
+        <a:font script="Mong" typeface="Mongolian Baiti"/>
+        <a:font script="Viet" typeface="Times New Roman"/>
+        <a:font script="Uigh" typeface="Microsoft Uighur"/>
+        <a:font script="Geor" typeface="Sylfaen"/>
+      </a:majorFont>
+      <a:minorFont>
+        <a:latin typeface="Arial"/>
+        <a:ea typeface=""/>
+        <a:cs typeface=""/>
+        <a:font script="Jpan" typeface="ＭＳ Ｐゴシック"/>
+        <a:font script="Hang" typeface="맑은 고딕"/>
+        <a:font script="Hans" typeface="宋体"/>
+        <a:font script="Hant" typeface="新細明體"/>
+        <a:font script="Arab" typeface="Arial"/>
+        <a:font script="Hebr" typeface="Arial"/>
+        <a:font script="Thai" typeface="Cordia New"/>
+        <a:font script="Ethi" typeface="Nyala"/>
+        <a:font script="Beng" typeface="Vrinda"/>
+        <a:font script="Gujr" typeface="Shruti"/>
+        <a:font script="Khmr" typeface="DaunPenh"/>
+        <a:font script="Knda" typeface="Tunga"/>
+        <a:font script="Guru" typeface="Raavi"/>
+        <a:font script="Cans" typeface="Euphemia"/>
+        <a:font script="Cher" typeface="Plantagenet Cherokee"/>
+        <a:font script="Yiii" typeface="Microsoft Yi Baiti"/>
+        <a:font script="Tibt" typeface="Microsoft Himalaya"/>
+        <a:font script="Thaa" typeface="MV Boli"/>
+        <a:font script="Deva" typeface="Mangal"/>
+        <a:font script="Telu" typeface="Gautami"/>
+        <a:font script="Taml" typeface="Latha"/>
+        <a:font script="Syrc" typeface="Estrangelo Edessa"/>
+        <a:font script="Orya" typeface="Kalinga"/>
+        <a:font script="Mlym" typeface="Kartika"/>
+        <a:font script="Laoo" typeface="DokChampa"/>
+        <a:font script="Sinh" typeface="Iskoola Pota"/>
+        <a:font script="Mong" typeface="Mongolian Baiti"/>
+        <a:font script="Viet" typeface="Arial"/>
+        <a:font script="Uigh" typeface="Microsoft Uighur"/>
+        <a:font script="Geor" typeface="Sylfaen"/>
+      </a:minorFont>
+    </a:fontScheme>
+    <a:fmtScheme name="Office">
+      <a:fillStyleLst>
+        <a:solidFill>
+          <a:schemeClr val="phClr"/>
+        </a:solidFill>
+        <a:gradFill rotWithShape="1">
+          <a:gsLst>
+            <a:gs pos="0">
+              <a:schemeClr val="phClr">
+                <a:tint val="50000"/>
+                <a:satMod val="300000"/>
+              </a:schemeClr>
+            </a:gs>
+            <a:gs pos="35000">
+              <a:schemeClr val="phClr">
+                <a:tint val="37000"/>
+                <a:satMod val="300000"/>
+              </a:schemeClr>
+            </a:gs>
+            <a:gs pos="100000">
+              <a:schemeClr val="phClr">
+                <a:tint val="15000"/>
+                <a:satMod val="350000"/>
+              </a:schemeClr>
+            </a:gs>
+          </a:gsLst>
+          <a:lin ang="16200000" scaled="1"/>
+        </a:gradFill>
+        <a:gradFill rotWithShape="1">
+          <a:gsLst>
+            <a:gs pos="0">
+              <a:schemeClr val="phClr">
+                <a:tint val="100000"/>
+                <a:shade val="100000"/>
+                <a:satMod val="130000"/>
+              </a:schemeClr>
+            </a:gs>
+            <a:gs pos="100000">
+              <a:schemeClr val="phClr">
+                <a:tint val="50000"/>
+                <a:shade val="100000"/>
+                <a:satMod val="350000"/>
+              </a:schemeClr>
+            </a:gs>
+          </a:gsLst>
+          <a:lin ang="16200000" scaled="0"/>
+        </a:gradFill>
+      </a:fillStyleLst>
+      <a:lnStyleLst>
+        <a:ln w="9525" cap="flat" cmpd="sng" algn="ctr">
+          <a:solidFill>
+            <a:schemeClr val="phClr">
+              <a:shade val="95000"/>
+              <a:satMod val="105000"/>
+            </a:schemeClr>
+          </a:solidFill>
+          <a:prstDash val="solid"/>
+        </a:ln>
+        <a:ln w="25400" cap="flat" cmpd="sng" algn="ctr">
+          <a:solidFill>
+            <a:schemeClr val="phClr"/>
+          </a:solidFill>
+          <a:prstDash val="solid"/>
+        </a:ln>
+        <a:ln w="38100" cap="flat" cmpd="sng" algn="ctr">
+          <a:solidFill>
+            <a:schemeClr val="phClr"/>
+          </a:solidFill>
+          <a:prstDash val="solid"/>
+        </a:ln>
+      </a:lnStyleLst>
+      <a:effectStyleLst>
+        <a:effectStyle>
+          <a:effectLst>
+            <a:outerShdw blurRad="40000" dist="20000" dir="5400000" rotWithShape="0">
+              <a:srgbClr val="000000">
+                <a:alpha val="38000"/>
+              </a:srgbClr>
+            </a:outerShdw>
+          </a:effectLst>
+        </a:effectStyle>
+        <a:effectStyle>
+          <a:effectLst>
+            <a:outerShdw blurRad="40000" dist="23000" dir="5400000" rotWithShape="0">
+              <a:srgbClr val="000000">
+                <a:alpha val="35000"/>
+              </a:srgbClr>
+            </a:outerShdw>
+          </a:effectLst>
+        </a:effectStyle>
+        <a:effectStyle>
+          <a:effectLst>
+            <a:outerShdw blurRad="40000" dist="23000" dir="5400000" rotWithShape="0">
+              <a:srgbClr val="000000">
+                <a:alpha val="35000"/>
+              </a:srgbClr>
+            </a:outerShdw>
+          </a:effectLst>
+          <a:scene3d>
+            <a:camera prst="orthographicFront">
+              <a:rot lat="0" lon="0" rev="0"/>
+            </a:camera>
+            <a:lightRig rig="threePt" dir="t">
+              <a:rot lat="0" lon="0" rev="1200000"/>
+            </a:lightRig>
+          </a:scene3d>
+          <a:sp3d>
+            <a:bevelT w="63500" h="25400"/>
+          </a:sp3d>
+        </a:effectStyle>
+      </a:effectStyleLst>
+      <a:bgFillStyleLst>
+        <a:solidFill>
+          <a:schemeClr val="phClr"/>
+        </a:solidFill>
+        <a:gradFill rotWithShape="1">
+          <a:gsLst>
+            <a:gs pos="0">
+              <a:schemeClr val="phClr">
+                <a:tint val="40000"/>
+                <a:satMod val="350000"/>
+              </a:schemeClr>
+            </a:gs>
+            <a:gs pos="40000">
+              <a:schemeClr val="phClr">
+                <a:tint val="45000"/>
+                <a:shade val="99000"/>
+                <a:satMod val="350000"/>
+              </a:schemeClr>
+            </a:gs>
+            <a:gs pos="100000">
+              <a:schemeClr val="phClr">
+                <a:shade val="20000"/>
+                <a:satMod val="255000"/>
+              </a:schemeClr>
+            </a:gs>
+          </a:gsLst>
+          <a:path path="circle">
+            <a:fillToRect l="50000" t="-80000" r="50000" b="180000"/>
+          </a:path>
+        </a:gradFill>
+        <a:gradFill rotWithShape="1">
+          <a:gsLst>
+            <a:gs pos="0">
+              <a:schemeClr val="phClr">
+                <a:tint val="80000"/>
+                <a:satMod val="300000"/>
+              </a:schemeClr>
+            </a:gs>
+            <a:gs pos="100000">
+              <a:schemeClr val="phClr">
+                <a:shade val="30000"/>
+                <a:satMod val="200000"/>
+              </a:schemeClr>
+            </a:gs>
+          </a:gsLst>
+          <a:path path="circle">
+            <a:fillToRect l="50000" t="50000" r="50000" b="50000"/>
+          </a:path>
+        </a:gradFill>
+      </a:bgFillStyleLst>
+    </a:fmtScheme>
+  </a:themeElements>
+  <a:objectDefaults/>
+  <a:extraClrSchemeLst/>
+</a:theme>
+</file>
+
+<file path=ppt/theme/theme2.xml><?xml version="1.0" encoding="utf-8"?>
+<a:theme xmlns:a="http://schemas.openxmlformats.org/drawingml/2006/main">
   <a:themeElements>
     <a:clrScheme name="Default">
       <a:dk1>
@@ -6497,284 +6933,7 @@
       </a:bgFillStyleLst>
     </a:fmtScheme>
   </a:themeElements>
-</a:theme>
-</file>
-
-<file path=ppt/theme/theme2.xml><?xml version="1.0" encoding="utf-8"?>
-<a:theme xmlns:a="http://schemas.openxmlformats.org/drawingml/2006/main" xmlns:r="http://schemas.openxmlformats.org/officeDocument/2006/relationships" name="Simple Light">
-  <a:themeElements>
-    <a:clrScheme name="Simple Light">
-      <a:dk1>
-        <a:srgbClr val="000000"/>
-      </a:dk1>
-      <a:lt1>
-        <a:srgbClr val="FFFFFF"/>
-      </a:lt1>
-      <a:dk2>
-        <a:srgbClr val="595959"/>
-      </a:dk2>
-      <a:lt2>
-        <a:srgbClr val="EEEEEE"/>
-      </a:lt2>
-      <a:accent1>
-        <a:srgbClr val="4285F4"/>
-      </a:accent1>
-      <a:accent2>
-        <a:srgbClr val="212121"/>
-      </a:accent2>
-      <a:accent3>
-        <a:srgbClr val="78909C"/>
-      </a:accent3>
-      <a:accent4>
-        <a:srgbClr val="FFAB40"/>
-      </a:accent4>
-      <a:accent5>
-        <a:srgbClr val="0097A7"/>
-      </a:accent5>
-      <a:accent6>
-        <a:srgbClr val="EEFF41"/>
-      </a:accent6>
-      <a:hlink>
-        <a:srgbClr val="0097A7"/>
-      </a:hlink>
-      <a:folHlink>
-        <a:srgbClr val="0097A7"/>
-      </a:folHlink>
-    </a:clrScheme>
-    <a:fontScheme name="Office">
-      <a:majorFont>
-        <a:latin typeface="Arial"/>
-        <a:ea typeface=""/>
-        <a:cs typeface=""/>
-        <a:font script="Jpan" typeface="ＭＳ Ｐゴシック"/>
-        <a:font script="Hang" typeface="맑은 고딕"/>
-        <a:font script="Hans" typeface="宋体"/>
-        <a:font script="Hant" typeface="新細明體"/>
-        <a:font script="Arab" typeface="Times New Roman"/>
-        <a:font script="Hebr" typeface="Times New Roman"/>
-        <a:font script="Thai" typeface="Angsana New"/>
-        <a:font script="Ethi" typeface="Nyala"/>
-        <a:font script="Beng" typeface="Vrinda"/>
-        <a:font script="Gujr" typeface="Shruti"/>
-        <a:font script="Khmr" typeface="MoolBoran"/>
-        <a:font script="Knda" typeface="Tunga"/>
-        <a:font script="Guru" typeface="Raavi"/>
-        <a:font script="Cans" typeface="Euphemia"/>
-        <a:font script="Cher" typeface="Plantagenet Cherokee"/>
-        <a:font script="Yiii" typeface="Microsoft Yi Baiti"/>
-        <a:font script="Tibt" typeface="Microsoft Himalaya"/>
-        <a:font script="Thaa" typeface="MV Boli"/>
-        <a:font script="Deva" typeface="Mangal"/>
-        <a:font script="Telu" typeface="Gautami"/>
-        <a:font script="Taml" typeface="Latha"/>
-        <a:font script="Syrc" typeface="Estrangelo Edessa"/>
-        <a:font script="Orya" typeface="Kalinga"/>
-        <a:font script="Mlym" typeface="Kartika"/>
-        <a:font script="Laoo" typeface="DokChampa"/>
-        <a:font script="Sinh" typeface="Iskoola Pota"/>
-        <a:font script="Mong" typeface="Mongolian Baiti"/>
-        <a:font script="Viet" typeface="Times New Roman"/>
-        <a:font script="Uigh" typeface="Microsoft Uighur"/>
-        <a:font script="Geor" typeface="Sylfaen"/>
-      </a:majorFont>
-      <a:minorFont>
-        <a:latin typeface="Arial"/>
-        <a:ea typeface=""/>
-        <a:cs typeface=""/>
-        <a:font script="Jpan" typeface="ＭＳ Ｐゴシック"/>
-        <a:font script="Hang" typeface="맑은 고딕"/>
-        <a:font script="Hans" typeface="宋体"/>
-        <a:font script="Hant" typeface="新細明體"/>
-        <a:font script="Arab" typeface="Arial"/>
-        <a:font script="Hebr" typeface="Arial"/>
-        <a:font script="Thai" typeface="Cordia New"/>
-        <a:font script="Ethi" typeface="Nyala"/>
-        <a:font script="Beng" typeface="Vrinda"/>
-        <a:font script="Gujr" typeface="Shruti"/>
-        <a:font script="Khmr" typeface="DaunPenh"/>
-        <a:font script="Knda" typeface="Tunga"/>
-        <a:font script="Guru" typeface="Raavi"/>
-        <a:font script="Cans" typeface="Euphemia"/>
-        <a:font script="Cher" typeface="Plantagenet Cherokee"/>
-        <a:font script="Yiii" typeface="Microsoft Yi Baiti"/>
-        <a:font script="Tibt" typeface="Microsoft Himalaya"/>
-        <a:font script="Thaa" typeface="MV Boli"/>
-        <a:font script="Deva" typeface="Mangal"/>
-        <a:font script="Telu" typeface="Gautami"/>
-        <a:font script="Taml" typeface="Latha"/>
-        <a:font script="Syrc" typeface="Estrangelo Edessa"/>
-        <a:font script="Orya" typeface="Kalinga"/>
-        <a:font script="Mlym" typeface="Kartika"/>
-        <a:font script="Laoo" typeface="DokChampa"/>
-        <a:font script="Sinh" typeface="Iskoola Pota"/>
-        <a:font script="Mong" typeface="Mongolian Baiti"/>
-        <a:font script="Viet" typeface="Arial"/>
-        <a:font script="Uigh" typeface="Microsoft Uighur"/>
-        <a:font script="Geor" typeface="Sylfaen"/>
-      </a:minorFont>
-    </a:fontScheme>
-    <a:fmtScheme name="Office">
-      <a:fillStyleLst>
-        <a:solidFill>
-          <a:schemeClr val="phClr"/>
-        </a:solidFill>
-        <a:gradFill rotWithShape="1">
-          <a:gsLst>
-            <a:gs pos="0">
-              <a:schemeClr val="phClr">
-                <a:tint val="50000"/>
-                <a:satMod val="300000"/>
-              </a:schemeClr>
-            </a:gs>
-            <a:gs pos="35000">
-              <a:schemeClr val="phClr">
-                <a:tint val="37000"/>
-                <a:satMod val="300000"/>
-              </a:schemeClr>
-            </a:gs>
-            <a:gs pos="100000">
-              <a:schemeClr val="phClr">
-                <a:tint val="15000"/>
-                <a:satMod val="350000"/>
-              </a:schemeClr>
-            </a:gs>
-          </a:gsLst>
-          <a:lin ang="16200000" scaled="1"/>
-        </a:gradFill>
-        <a:gradFill rotWithShape="1">
-          <a:gsLst>
-            <a:gs pos="0">
-              <a:schemeClr val="phClr">
-                <a:tint val="100000"/>
-                <a:shade val="100000"/>
-                <a:satMod val="130000"/>
-              </a:schemeClr>
-            </a:gs>
-            <a:gs pos="100000">
-              <a:schemeClr val="phClr">
-                <a:tint val="50000"/>
-                <a:shade val="100000"/>
-                <a:satMod val="350000"/>
-              </a:schemeClr>
-            </a:gs>
-          </a:gsLst>
-          <a:lin ang="16200000" scaled="0"/>
-        </a:gradFill>
-      </a:fillStyleLst>
-      <a:lnStyleLst>
-        <a:ln w="9525" cap="flat" cmpd="sng" algn="ctr">
-          <a:solidFill>
-            <a:schemeClr val="phClr">
-              <a:shade val="95000"/>
-              <a:satMod val="105000"/>
-            </a:schemeClr>
-          </a:solidFill>
-          <a:prstDash val="solid"/>
-        </a:ln>
-        <a:ln w="25400" cap="flat" cmpd="sng" algn="ctr">
-          <a:solidFill>
-            <a:schemeClr val="phClr"/>
-          </a:solidFill>
-          <a:prstDash val="solid"/>
-        </a:ln>
-        <a:ln w="38100" cap="flat" cmpd="sng" algn="ctr">
-          <a:solidFill>
-            <a:schemeClr val="phClr"/>
-          </a:solidFill>
-          <a:prstDash val="solid"/>
-        </a:ln>
-      </a:lnStyleLst>
-      <a:effectStyleLst>
-        <a:effectStyle>
-          <a:effectLst>
-            <a:outerShdw blurRad="40000" dist="20000" dir="5400000" rotWithShape="0">
-              <a:srgbClr val="000000">
-                <a:alpha val="38000"/>
-              </a:srgbClr>
-            </a:outerShdw>
-          </a:effectLst>
-        </a:effectStyle>
-        <a:effectStyle>
-          <a:effectLst>
-            <a:outerShdw blurRad="40000" dist="23000" dir="5400000" rotWithShape="0">
-              <a:srgbClr val="000000">
-                <a:alpha val="35000"/>
-              </a:srgbClr>
-            </a:outerShdw>
-          </a:effectLst>
-        </a:effectStyle>
-        <a:effectStyle>
-          <a:effectLst>
-            <a:outerShdw blurRad="40000" dist="23000" dir="5400000" rotWithShape="0">
-              <a:srgbClr val="000000">
-                <a:alpha val="35000"/>
-              </a:srgbClr>
-            </a:outerShdw>
-          </a:effectLst>
-          <a:scene3d>
-            <a:camera prst="orthographicFront">
-              <a:rot lat="0" lon="0" rev="0"/>
-            </a:camera>
-            <a:lightRig rig="threePt" dir="t">
-              <a:rot lat="0" lon="0" rev="1200000"/>
-            </a:lightRig>
-          </a:scene3d>
-          <a:sp3d>
-            <a:bevelT w="63500" h="25400"/>
-          </a:sp3d>
-        </a:effectStyle>
-      </a:effectStyleLst>
-      <a:bgFillStyleLst>
-        <a:solidFill>
-          <a:schemeClr val="phClr"/>
-        </a:solidFill>
-        <a:gradFill rotWithShape="1">
-          <a:gsLst>
-            <a:gs pos="0">
-              <a:schemeClr val="phClr">
-                <a:tint val="40000"/>
-                <a:satMod val="350000"/>
-              </a:schemeClr>
-            </a:gs>
-            <a:gs pos="40000">
-              <a:schemeClr val="phClr">
-                <a:tint val="45000"/>
-                <a:shade val="99000"/>
-                <a:satMod val="350000"/>
-              </a:schemeClr>
-            </a:gs>
-            <a:gs pos="100000">
-              <a:schemeClr val="phClr">
-                <a:shade val="20000"/>
-                <a:satMod val="255000"/>
-              </a:schemeClr>
-            </a:gs>
-          </a:gsLst>
-          <a:path path="circle">
-            <a:fillToRect l="50000" t="-80000" r="50000" b="180000"/>
-          </a:path>
-        </a:gradFill>
-        <a:gradFill rotWithShape="1">
-          <a:gsLst>
-            <a:gs pos="0">
-              <a:schemeClr val="phClr">
-                <a:tint val="80000"/>
-                <a:satMod val="300000"/>
-              </a:schemeClr>
-            </a:gs>
-            <a:gs pos="100000">
-              <a:schemeClr val="phClr">
-                <a:shade val="30000"/>
-                <a:satMod val="200000"/>
-              </a:schemeClr>
-            </a:gs>
-          </a:gsLst>
-          <a:path path="circle">
-            <a:fillToRect l="50000" t="50000" r="50000" b="50000"/>
-          </a:path>
-        </a:gradFill>
-      </a:bgFillStyleLst>
-    </a:fmtScheme>
-  </a:themeElements>
+  <a:objectDefaults/>
+  <a:extraClrSchemeLst/>
 </a:theme>
 </file>